--- a/docs/Perl6_REST.pptx
+++ b/docs/Perl6_REST.pptx
@@ -5,11 +5,25 @@
     <p:sldMasterId id="2147483960" r:id="rId1"/>
   </p:sldMasterIdLst>
   <p:notesMasterIdLst>
-    <p:notesMasterId r:id="rId4"/>
+    <p:notesMasterId r:id="rId18"/>
   </p:notesMasterIdLst>
   <p:sldIdLst>
     <p:sldId id="281" r:id="rId2"/>
     <p:sldId id="293" r:id="rId3"/>
+    <p:sldId id="296" r:id="rId4"/>
+    <p:sldId id="297" r:id="rId5"/>
+    <p:sldId id="298" r:id="rId6"/>
+    <p:sldId id="303" r:id="rId7"/>
+    <p:sldId id="301" r:id="rId8"/>
+    <p:sldId id="304" r:id="rId9"/>
+    <p:sldId id="305" r:id="rId10"/>
+    <p:sldId id="302" r:id="rId11"/>
+    <p:sldId id="299" r:id="rId12"/>
+    <p:sldId id="307" r:id="rId13"/>
+    <p:sldId id="308" r:id="rId14"/>
+    <p:sldId id="295" r:id="rId15"/>
+    <p:sldId id="306" r:id="rId16"/>
+    <p:sldId id="294" r:id="rId17"/>
   </p:sldIdLst>
   <p:sldSz cx="9144000" cy="6858000" type="screen4x3"/>
   <p:notesSz cx="6858000" cy="9144000"/>
@@ -4085,6 +4099,1924 @@
 </p:sld>
 </file>
 
+<file path=ppt/slides/slide10.xml><?xml version="1.0" encoding="utf-8"?>
+<p:sld xmlns:a="http://schemas.openxmlformats.org/drawingml/2006/main" xmlns:r="http://schemas.openxmlformats.org/officeDocument/2006/relationships" xmlns:p="http://schemas.openxmlformats.org/presentationml/2006/main">
+  <p:cSld>
+    <p:spTree>
+      <p:nvGrpSpPr>
+        <p:cNvPr id="1" name=""/>
+        <p:cNvGrpSpPr/>
+        <p:nvPr/>
+      </p:nvGrpSpPr>
+      <p:grpSpPr>
+        <a:xfrm>
+          <a:off x="0" y="0"/>
+          <a:ext cx="0" cy="0"/>
+          <a:chOff x="0" y="0"/>
+          <a:chExt cx="0" cy="0"/>
+        </a:xfrm>
+      </p:grpSpPr>
+      <p:sp>
+        <p:nvSpPr>
+          <p:cNvPr id="2" name="Content Placeholder 1"/>
+          <p:cNvSpPr>
+            <a:spLocks noGrp="1"/>
+          </p:cNvSpPr>
+          <p:nvPr>
+            <p:ph idx="1"/>
+          </p:nvPr>
+        </p:nvSpPr>
+        <p:spPr>
+          <a:xfrm>
+            <a:off x="1417320" y="685801"/>
+            <a:ext cx="7349490" cy="4320539"/>
+          </a:xfrm>
+        </p:spPr>
+        <p:txBody>
+          <a:bodyPr>
+            <a:normAutofit lnSpcReduction="10000"/>
+          </a:bodyPr>
+          <a:lstStyle/>
+          <a:p>
+            <a:pPr lvl="1"/>
+            <a:r>
+              <a:rPr lang="en-US" dirty="0">
+                <a:effectLst/>
+              </a:rPr>
+              <a:t>Nouns should be plural</a:t>
+            </a:r>
+          </a:p>
+          <a:p>
+            <a:pPr lvl="2"/>
+            <a:r>
+              <a:rPr lang="en-US" dirty="0">
+                <a:effectLst/>
+              </a:rPr>
+              <a:t>/users/1234/boards</a:t>
+            </a:r>
+          </a:p>
+          <a:p>
+            <a:pPr lvl="1"/>
+            <a:r>
+              <a:rPr lang="en-US" dirty="0">
+                <a:effectLst/>
+              </a:rPr>
+              <a:t>‘-’ vs ‘_’</a:t>
+            </a:r>
+          </a:p>
+          <a:p>
+            <a:pPr lvl="1"/>
+            <a:r>
+              <a:rPr lang="en-US" dirty="0">
+                <a:effectLst/>
+              </a:rPr>
+              <a:t>Lower case</a:t>
+            </a:r>
+          </a:p>
+          <a:p>
+            <a:pPr lvl="1"/>
+            <a:r>
+              <a:rPr lang="en-US" dirty="0">
+                <a:effectLst/>
+              </a:rPr>
+              <a:t>Use HTTP headers!!!!</a:t>
+            </a:r>
+          </a:p>
+          <a:p>
+            <a:pPr lvl="2"/>
+            <a:r>
+              <a:rPr lang="en-US" dirty="0">
+                <a:effectLst/>
+              </a:rPr>
+              <a:t>No http://0.0.0.0:3123/healthcheck.json</a:t>
+            </a:r>
+          </a:p>
+          <a:p>
+            <a:pPr lvl="1"/>
+            <a:r>
+              <a:rPr lang="en-US" dirty="0">
+                <a:effectLst/>
+              </a:rPr>
+              <a:t>Pagination</a:t>
+            </a:r>
+          </a:p>
+          <a:p>
+            <a:pPr lvl="1"/>
+            <a:r>
+              <a:rPr lang="en-US" dirty="0">
+                <a:effectLst/>
+              </a:rPr>
+              <a:t>Query Parameters – filter a collection</a:t>
+            </a:r>
+          </a:p>
+          <a:p>
+            <a:pPr lvl="2"/>
+            <a:r>
+              <a:rPr lang="en-US" dirty="0">
+                <a:effectLst/>
+              </a:rPr>
+              <a:t>Yes: /</a:t>
+            </a:r>
+            <a:r>
+              <a:rPr lang="en-US" dirty="0" err="1">
+                <a:effectLst/>
+              </a:rPr>
+              <a:t>users?active</a:t>
+            </a:r>
+            <a:r>
+              <a:rPr lang="en-US" dirty="0">
+                <a:effectLst/>
+              </a:rPr>
+              <a:t>=0</a:t>
+            </a:r>
+          </a:p>
+          <a:p>
+            <a:pPr lvl="2"/>
+            <a:r>
+              <a:rPr lang="en-US" dirty="0">
+                <a:effectLst/>
+              </a:rPr>
+              <a:t>NO: /</a:t>
+            </a:r>
+            <a:r>
+              <a:rPr lang="en-US" dirty="0" err="1">
+                <a:effectLst/>
+              </a:rPr>
+              <a:t>users?uuid</a:t>
+            </a:r>
+            <a:r>
+              <a:rPr lang="en-US" dirty="0">
+                <a:effectLst/>
+              </a:rPr>
+              <a:t>=12345</a:t>
+            </a:r>
+          </a:p>
+          <a:p>
+            <a:pPr lvl="1"/>
+            <a:r>
+              <a:rPr lang="en-US" dirty="0">
+                <a:effectLst/>
+              </a:rPr>
+              <a:t>Versioning</a:t>
+            </a:r>
+          </a:p>
+          <a:p>
+            <a:pPr lvl="2"/>
+            <a:r>
+              <a:rPr lang="en-US" dirty="0">
+                <a:effectLst/>
+              </a:rPr>
+              <a:t>/v1/users/1234</a:t>
+            </a:r>
+          </a:p>
+          <a:p>
+            <a:pPr lvl="1"/>
+            <a:r>
+              <a:rPr lang="en-US" dirty="0" err="1">
+                <a:effectLst/>
+              </a:rPr>
+              <a:t>Healthcheck</a:t>
+            </a:r>
+            <a:endParaRPr lang="en-US" dirty="0">
+              <a:effectLst/>
+            </a:endParaRPr>
+          </a:p>
+          <a:p>
+            <a:pPr lvl="2"/>
+            <a:r>
+              <a:rPr lang="en-US" dirty="0">
+                <a:effectLst/>
+              </a:rPr>
+              <a:t>/</a:t>
+            </a:r>
+            <a:r>
+              <a:rPr lang="en-US" dirty="0" err="1">
+                <a:effectLst/>
+              </a:rPr>
+              <a:t>healthcheck</a:t>
+            </a:r>
+            <a:endParaRPr lang="en-US" dirty="0">
+              <a:effectLst/>
+            </a:endParaRPr>
+          </a:p>
+        </p:txBody>
+      </p:sp>
+      <p:sp>
+        <p:nvSpPr>
+          <p:cNvPr id="3" name="Title 2"/>
+          <p:cNvSpPr>
+            <a:spLocks noGrp="1"/>
+          </p:cNvSpPr>
+          <p:nvPr>
+            <p:ph type="title"/>
+          </p:nvPr>
+        </p:nvSpPr>
+        <p:spPr/>
+        <p:txBody>
+          <a:bodyPr/>
+          <a:lstStyle/>
+          <a:p>
+            <a:r>
+              <a:rPr lang="en-US" dirty="0"/>
+              <a:t>Rules?</a:t>
+            </a:r>
+          </a:p>
+        </p:txBody>
+      </p:sp>
+    </p:spTree>
+    <p:extLst>
+      <p:ext uri="{BB962C8B-B14F-4D97-AF65-F5344CB8AC3E}">
+        <p14:creationId xmlns:p14="http://schemas.microsoft.com/office/powerpoint/2010/main" val="1917886999"/>
+      </p:ext>
+    </p:extLst>
+  </p:cSld>
+  <p:clrMapOvr>
+    <a:masterClrMapping/>
+  </p:clrMapOvr>
+</p:sld>
+</file>
+
+<file path=ppt/slides/slide11.xml><?xml version="1.0" encoding="utf-8"?>
+<p:sld xmlns:a="http://schemas.openxmlformats.org/drawingml/2006/main" xmlns:r="http://schemas.openxmlformats.org/officeDocument/2006/relationships" xmlns:p="http://schemas.openxmlformats.org/presentationml/2006/main">
+  <p:cSld>
+    <p:spTree>
+      <p:nvGrpSpPr>
+        <p:cNvPr id="1" name=""/>
+        <p:cNvGrpSpPr/>
+        <p:nvPr/>
+      </p:nvGrpSpPr>
+      <p:grpSpPr>
+        <a:xfrm>
+          <a:off x="0" y="0"/>
+          <a:ext cx="0" cy="0"/>
+          <a:chOff x="0" y="0"/>
+          <a:chExt cx="0" cy="0"/>
+        </a:xfrm>
+      </p:grpSpPr>
+      <p:sp>
+        <p:nvSpPr>
+          <p:cNvPr id="2" name="Content Placeholder 1"/>
+          <p:cNvSpPr>
+            <a:spLocks noGrp="1"/>
+          </p:cNvSpPr>
+          <p:nvPr>
+            <p:ph idx="1"/>
+          </p:nvPr>
+        </p:nvSpPr>
+        <p:spPr>
+          <a:xfrm>
+            <a:off x="1417320" y="685801"/>
+            <a:ext cx="7349490" cy="697229"/>
+          </a:xfrm>
+        </p:spPr>
+        <p:txBody>
+          <a:bodyPr/>
+          <a:lstStyle/>
+          <a:p>
+            <a:pPr lvl="1"/>
+            <a:r>
+              <a:rPr lang="en-US" dirty="0">
+                <a:effectLst/>
+              </a:rPr>
+              <a:t>GET /users/456798</a:t>
+            </a:r>
+          </a:p>
+        </p:txBody>
+      </p:sp>
+      <p:sp>
+        <p:nvSpPr>
+          <p:cNvPr id="3" name="Title 2"/>
+          <p:cNvSpPr>
+            <a:spLocks noGrp="1"/>
+          </p:cNvSpPr>
+          <p:nvPr>
+            <p:ph type="title"/>
+          </p:nvPr>
+        </p:nvSpPr>
+        <p:spPr/>
+        <p:txBody>
+          <a:bodyPr/>
+          <a:lstStyle/>
+          <a:p>
+            <a:r>
+              <a:rPr lang="en-US" dirty="0"/>
+              <a:t>Rules? - Enveloping</a:t>
+            </a:r>
+          </a:p>
+        </p:txBody>
+      </p:sp>
+      <p:sp>
+        <p:nvSpPr>
+          <p:cNvPr id="5" name="Content Placeholder 1">
+            <a:extLst>
+              <a:ext uri="{FF2B5EF4-FFF2-40B4-BE49-F238E27FC236}">
+                <a16:creationId xmlns:a16="http://schemas.microsoft.com/office/drawing/2014/main" id="{2EF29292-82D3-0345-826C-C54E9AF7B622}"/>
+              </a:ext>
+            </a:extLst>
+          </p:cNvPr>
+          <p:cNvSpPr txBox="1">
+            <a:spLocks/>
+          </p:cNvSpPr>
+          <p:nvPr/>
+        </p:nvSpPr>
+        <p:spPr>
+          <a:xfrm>
+            <a:off x="0" y="1508759"/>
+            <a:ext cx="4137660" cy="2880360"/>
+          </a:xfrm>
+          <a:prstGeom prst="rect">
+            <a:avLst/>
+          </a:prstGeom>
+        </p:spPr>
+        <p:txBody>
+          <a:bodyPr vert="horz" lIns="91440" tIns="45720" rIns="91440" bIns="45720" rtlCol="0" anchor="ctr">
+            <a:normAutofit fontScale="85000" lnSpcReduction="10000"/>
+          </a:bodyPr>
+          <a:lstStyle>
+            <a:lvl1pPr marL="274320" indent="-256032" algn="l" defTabSz="914400" rtl="0" eaLnBrk="1" latinLnBrk="0" hangingPunct="1">
+              <a:spcBef>
+                <a:spcPct val="20000"/>
+              </a:spcBef>
+              <a:spcAft>
+                <a:spcPts val="0"/>
+              </a:spcAft>
+              <a:buSzPct val="60000"/>
+              <a:buFont typeface="Wingdings" pitchFamily="2" charset="2"/>
+              <a:buChar char=""/>
+              <a:defRPr sz="2100" kern="1200">
+                <a:solidFill>
+                  <a:schemeClr val="tx1"/>
+                </a:solidFill>
+                <a:effectLst>
+                  <a:outerShdw blurRad="38100" dist="38100" dir="2700000" algn="tl">
+                    <a:srgbClr val="000000">
+                      <a:alpha val="43137"/>
+                    </a:srgbClr>
+                  </a:outerShdw>
+                </a:effectLst>
+                <a:latin typeface="+mn-lt"/>
+                <a:ea typeface="+mn-ea"/>
+                <a:cs typeface="+mn-cs"/>
+              </a:defRPr>
+            </a:lvl1pPr>
+            <a:lvl2pPr marL="640080" indent="-256032" algn="l" defTabSz="914400" rtl="0" eaLnBrk="1" latinLnBrk="0" hangingPunct="1">
+              <a:spcBef>
+                <a:spcPct val="20000"/>
+              </a:spcBef>
+              <a:buSzPct val="60000"/>
+              <a:buFont typeface="Wingdings" pitchFamily="2" charset="2"/>
+              <a:buChar char=""/>
+              <a:defRPr sz="1900" kern="1200">
+                <a:solidFill>
+                  <a:schemeClr val="tx1"/>
+                </a:solidFill>
+                <a:effectLst>
+                  <a:outerShdw blurRad="38100" dist="38100" dir="2700000" algn="tl">
+                    <a:srgbClr val="000000">
+                      <a:alpha val="43137"/>
+                    </a:srgbClr>
+                  </a:outerShdw>
+                </a:effectLst>
+                <a:latin typeface="+mn-lt"/>
+                <a:ea typeface="+mn-ea"/>
+                <a:cs typeface="+mn-cs"/>
+              </a:defRPr>
+            </a:lvl2pPr>
+            <a:lvl3pPr marL="1005840" indent="-256032" algn="l" defTabSz="914400" rtl="0" eaLnBrk="1" latinLnBrk="0" hangingPunct="1">
+              <a:spcBef>
+                <a:spcPct val="20000"/>
+              </a:spcBef>
+              <a:buSzPct val="60000"/>
+              <a:buFont typeface="Wingdings" pitchFamily="2" charset="2"/>
+              <a:buChar char=""/>
+              <a:defRPr sz="1700" kern="1200">
+                <a:solidFill>
+                  <a:schemeClr val="tx1"/>
+                </a:solidFill>
+                <a:effectLst>
+                  <a:outerShdw blurRad="38100" dist="38100" dir="2700000" algn="tl">
+                    <a:srgbClr val="000000">
+                      <a:alpha val="43137"/>
+                    </a:srgbClr>
+                  </a:outerShdw>
+                </a:effectLst>
+                <a:latin typeface="+mn-lt"/>
+                <a:ea typeface="+mn-ea"/>
+                <a:cs typeface="+mn-cs"/>
+              </a:defRPr>
+            </a:lvl3pPr>
+            <a:lvl4pPr marL="1371600" indent="-256032" algn="l" defTabSz="914400" rtl="0" eaLnBrk="1" latinLnBrk="0" hangingPunct="1">
+              <a:spcBef>
+                <a:spcPct val="20000"/>
+              </a:spcBef>
+              <a:buSzPct val="60000"/>
+              <a:buFont typeface="Wingdings" pitchFamily="2" charset="2"/>
+              <a:buChar char=""/>
+              <a:defRPr sz="1600" kern="1200">
+                <a:solidFill>
+                  <a:schemeClr val="tx1"/>
+                </a:solidFill>
+                <a:effectLst>
+                  <a:outerShdw blurRad="38100" dist="38100" dir="2700000" algn="tl">
+                    <a:srgbClr val="000000">
+                      <a:alpha val="43137"/>
+                    </a:srgbClr>
+                  </a:outerShdw>
+                </a:effectLst>
+                <a:latin typeface="+mn-lt"/>
+                <a:ea typeface="+mn-ea"/>
+                <a:cs typeface="+mn-cs"/>
+              </a:defRPr>
+            </a:lvl4pPr>
+            <a:lvl5pPr marL="1645920" indent="-256032" algn="l" defTabSz="914400" rtl="0" eaLnBrk="1" latinLnBrk="0" hangingPunct="1">
+              <a:spcBef>
+                <a:spcPct val="20000"/>
+              </a:spcBef>
+              <a:buSzPct val="60000"/>
+              <a:buFont typeface="Wingdings" pitchFamily="2" charset="2"/>
+              <a:buChar char=""/>
+              <a:defRPr sz="1500" kern="1200">
+                <a:solidFill>
+                  <a:schemeClr val="tx1"/>
+                </a:solidFill>
+                <a:effectLst>
+                  <a:outerShdw blurRad="38100" dist="38100" dir="2700000" algn="tl">
+                    <a:srgbClr val="000000">
+                      <a:alpha val="43137"/>
+                    </a:srgbClr>
+                  </a:outerShdw>
+                </a:effectLst>
+                <a:latin typeface="+mn-lt"/>
+                <a:ea typeface="+mn-ea"/>
+                <a:cs typeface="+mn-cs"/>
+              </a:defRPr>
+            </a:lvl5pPr>
+            <a:lvl6pPr marL="1965960" indent="-256032" algn="l" defTabSz="914400" rtl="0" eaLnBrk="1" latinLnBrk="0" hangingPunct="1">
+              <a:spcBef>
+                <a:spcPct val="20000"/>
+              </a:spcBef>
+              <a:buSzPct val="60000"/>
+              <a:buFont typeface="Wingdings" pitchFamily="2" charset="2"/>
+              <a:buChar char=""/>
+              <a:defRPr sz="1400" kern="1200">
+                <a:solidFill>
+                  <a:schemeClr val="tx1"/>
+                </a:solidFill>
+                <a:effectLst>
+                  <a:outerShdw blurRad="38100" dist="38100" dir="2700000" algn="ctr" rotWithShape="0">
+                    <a:srgbClr val="000000">
+                      <a:alpha val="43000"/>
+                    </a:srgbClr>
+                  </a:outerShdw>
+                </a:effectLst>
+                <a:latin typeface="+mn-lt"/>
+                <a:ea typeface="+mn-ea"/>
+                <a:cs typeface="+mn-cs"/>
+              </a:defRPr>
+            </a:lvl6pPr>
+            <a:lvl7pPr marL="2240280" indent="-256032" algn="l" defTabSz="914400" rtl="0" eaLnBrk="1" latinLnBrk="0" hangingPunct="1">
+              <a:spcBef>
+                <a:spcPct val="20000"/>
+              </a:spcBef>
+              <a:buSzPct val="60000"/>
+              <a:buFont typeface="Wingdings" pitchFamily="2" charset="2"/>
+              <a:buChar char=""/>
+              <a:defRPr sz="1400" kern="1200">
+                <a:solidFill>
+                  <a:schemeClr val="tx1"/>
+                </a:solidFill>
+                <a:effectLst>
+                  <a:outerShdw blurRad="38100" dist="38100" dir="2700000" algn="ctr" rotWithShape="0">
+                    <a:srgbClr val="000000">
+                      <a:alpha val="43000"/>
+                    </a:srgbClr>
+                  </a:outerShdw>
+                </a:effectLst>
+                <a:latin typeface="+mn-lt"/>
+                <a:ea typeface="+mn-ea"/>
+                <a:cs typeface="+mn-cs"/>
+              </a:defRPr>
+            </a:lvl7pPr>
+            <a:lvl8pPr marL="2514600" indent="-256032" algn="l" defTabSz="914400" rtl="0" eaLnBrk="1" latinLnBrk="0" hangingPunct="1">
+              <a:spcBef>
+                <a:spcPct val="20000"/>
+              </a:spcBef>
+              <a:buSzPct val="60000"/>
+              <a:buFont typeface="Wingdings" pitchFamily="2" charset="2"/>
+              <a:buChar char=""/>
+              <a:defRPr sz="1400" kern="1200">
+                <a:solidFill>
+                  <a:schemeClr val="tx1"/>
+                </a:solidFill>
+                <a:effectLst>
+                  <a:outerShdw blurRad="38100" dist="38100" dir="2700000" algn="ctr" rotWithShape="0">
+                    <a:srgbClr val="000000">
+                      <a:alpha val="43000"/>
+                    </a:srgbClr>
+                  </a:outerShdw>
+                </a:effectLst>
+                <a:latin typeface="+mn-lt"/>
+                <a:ea typeface="+mn-ea"/>
+                <a:cs typeface="+mn-cs"/>
+              </a:defRPr>
+            </a:lvl8pPr>
+            <a:lvl9pPr marL="2834640" indent="-256032" algn="l" defTabSz="914400" rtl="0" eaLnBrk="1" latinLnBrk="0" hangingPunct="1">
+              <a:spcBef>
+                <a:spcPct val="20000"/>
+              </a:spcBef>
+              <a:buSzPct val="60000"/>
+              <a:buFont typeface="Wingdings" pitchFamily="2" charset="2"/>
+              <a:buChar char=""/>
+              <a:defRPr sz="1400" kern="1200">
+                <a:solidFill>
+                  <a:schemeClr val="tx1"/>
+                </a:solidFill>
+                <a:effectLst>
+                  <a:outerShdw blurRad="38100" dist="38100" dir="2700000" algn="ctr" rotWithShape="0">
+                    <a:srgbClr val="000000">
+                      <a:alpha val="43000"/>
+                    </a:srgbClr>
+                  </a:outerShdw>
+                </a:effectLst>
+                <a:latin typeface="+mn-lt"/>
+                <a:ea typeface="+mn-ea"/>
+                <a:cs typeface="+mn-cs"/>
+              </a:defRPr>
+            </a:lvl9pPr>
+          </a:lstStyle>
+          <a:p>
+            <a:pPr marL="384048" lvl="1" indent="0">
+              <a:buNone/>
+            </a:pPr>
+            <a:r>
+              <a:rPr lang="en-US" dirty="0">
+                <a:effectLst/>
+              </a:rPr>
+              <a:t>{</a:t>
+            </a:r>
+          </a:p>
+          <a:p>
+            <a:pPr marL="384048" lvl="1" indent="0">
+              <a:buNone/>
+            </a:pPr>
+            <a:r>
+              <a:rPr lang="en-US" dirty="0">
+                <a:effectLst/>
+              </a:rPr>
+              <a:t>    "</a:t>
+            </a:r>
+            <a:r>
+              <a:rPr lang="en-US" dirty="0" err="1">
+                <a:effectLst/>
+              </a:rPr>
+              <a:t>uuid</a:t>
+            </a:r>
+            <a:r>
+              <a:rPr lang="en-US" dirty="0">
+                <a:effectLst/>
+              </a:rPr>
+              <a:t>": "8894aff2",</a:t>
+            </a:r>
+          </a:p>
+          <a:p>
+            <a:pPr marL="384048" lvl="1" indent="0">
+              <a:buNone/>
+            </a:pPr>
+            <a:r>
+              <a:rPr lang="en-US" dirty="0">
+                <a:effectLst/>
+              </a:rPr>
+              <a:t>    "name": “Erik”,</a:t>
+            </a:r>
+          </a:p>
+          <a:p>
+            <a:pPr marL="384048" lvl="1" indent="0">
+              <a:buNone/>
+            </a:pPr>
+            <a:r>
+              <a:rPr lang="en-US" dirty="0">
+                <a:effectLst/>
+              </a:rPr>
+              <a:t>    "password": “password”,</a:t>
+            </a:r>
+          </a:p>
+          <a:p>
+            <a:pPr marL="384048" lvl="1" indent="0">
+              <a:buNone/>
+            </a:pPr>
+            <a:r>
+              <a:rPr lang="en-US" dirty="0">
+                <a:effectLst/>
+              </a:rPr>
+              <a:t>    "active": 1,</a:t>
+            </a:r>
+          </a:p>
+          <a:p>
+            <a:pPr marL="384048" lvl="1" indent="0">
+              <a:buNone/>
+            </a:pPr>
+            <a:r>
+              <a:rPr lang="en-US" dirty="0">
+                <a:effectLst/>
+              </a:rPr>
+              <a:t>    "id": 1,</a:t>
+            </a:r>
+          </a:p>
+          <a:p>
+            <a:pPr marL="384048" lvl="1" indent="0">
+              <a:buNone/>
+            </a:pPr>
+            <a:r>
+              <a:rPr lang="en-US" dirty="0">
+                <a:effectLst/>
+              </a:rPr>
+              <a:t>    "email": "</a:t>
+            </a:r>
+            <a:r>
+              <a:rPr lang="en-US" dirty="0" err="1">
+                <a:effectLst/>
+              </a:rPr>
+              <a:t>tank@jundy.com</a:t>
+            </a:r>
+            <a:r>
+              <a:rPr lang="en-US" dirty="0">
+                <a:effectLst/>
+              </a:rPr>
+              <a:t>",</a:t>
+            </a:r>
+          </a:p>
+          <a:p>
+            <a:pPr marL="384048" lvl="1" indent="0">
+              <a:buNone/>
+            </a:pPr>
+            <a:r>
+              <a:rPr lang="en-US" dirty="0">
+                <a:effectLst/>
+              </a:rPr>
+              <a:t>    "username": "</a:t>
+            </a:r>
+            <a:r>
+              <a:rPr lang="en-US" dirty="0" err="1">
+                <a:effectLst/>
+              </a:rPr>
+              <a:t>erik</a:t>
+            </a:r>
+            <a:r>
+              <a:rPr lang="en-US" dirty="0">
+                <a:effectLst/>
+              </a:rPr>
+              <a:t>",</a:t>
+            </a:r>
+          </a:p>
+          <a:p>
+            <a:pPr marL="384048" lvl="1" indent="0">
+              <a:buNone/>
+            </a:pPr>
+            <a:r>
+              <a:rPr lang="en-US" dirty="0">
+                <a:effectLst/>
+              </a:rPr>
+              <a:t>    "created": "2018-06-14T12:50:36Z"</a:t>
+            </a:r>
+          </a:p>
+          <a:p>
+            <a:pPr marL="384048" lvl="1" indent="0">
+              <a:buNone/>
+            </a:pPr>
+            <a:r>
+              <a:rPr lang="en-US" dirty="0">
+                <a:effectLst/>
+              </a:rPr>
+              <a:t>}</a:t>
+            </a:r>
+          </a:p>
+        </p:txBody>
+      </p:sp>
+      <p:sp>
+        <p:nvSpPr>
+          <p:cNvPr id="6" name="Content Placeholder 1">
+            <a:extLst>
+              <a:ext uri="{FF2B5EF4-FFF2-40B4-BE49-F238E27FC236}">
+                <a16:creationId xmlns:a16="http://schemas.microsoft.com/office/drawing/2014/main" id="{259A0A3F-6F8F-4746-BC15-1AE228A6EEB3}"/>
+              </a:ext>
+            </a:extLst>
+          </p:cNvPr>
+          <p:cNvSpPr txBox="1">
+            <a:spLocks/>
+          </p:cNvSpPr>
+          <p:nvPr/>
+        </p:nvSpPr>
+        <p:spPr>
+          <a:xfrm>
+            <a:off x="4269105" y="1383029"/>
+            <a:ext cx="4497705" cy="3131819"/>
+          </a:xfrm>
+          <a:prstGeom prst="rect">
+            <a:avLst/>
+          </a:prstGeom>
+        </p:spPr>
+        <p:txBody>
+          <a:bodyPr vert="horz" lIns="91440" tIns="45720" rIns="91440" bIns="45720" rtlCol="0" anchor="ctr">
+            <a:normAutofit fontScale="77500" lnSpcReduction="20000"/>
+          </a:bodyPr>
+          <a:lstStyle>
+            <a:lvl1pPr marL="274320" indent="-256032" algn="l" defTabSz="914400" rtl="0" eaLnBrk="1" latinLnBrk="0" hangingPunct="1">
+              <a:spcBef>
+                <a:spcPct val="20000"/>
+              </a:spcBef>
+              <a:spcAft>
+                <a:spcPts val="0"/>
+              </a:spcAft>
+              <a:buSzPct val="60000"/>
+              <a:buFont typeface="Wingdings" pitchFamily="2" charset="2"/>
+              <a:buChar char=""/>
+              <a:defRPr sz="2100" kern="1200">
+                <a:solidFill>
+                  <a:schemeClr val="tx1"/>
+                </a:solidFill>
+                <a:effectLst>
+                  <a:outerShdw blurRad="38100" dist="38100" dir="2700000" algn="tl">
+                    <a:srgbClr val="000000">
+                      <a:alpha val="43137"/>
+                    </a:srgbClr>
+                  </a:outerShdw>
+                </a:effectLst>
+                <a:latin typeface="+mn-lt"/>
+                <a:ea typeface="+mn-ea"/>
+                <a:cs typeface="+mn-cs"/>
+              </a:defRPr>
+            </a:lvl1pPr>
+            <a:lvl2pPr marL="640080" indent="-256032" algn="l" defTabSz="914400" rtl="0" eaLnBrk="1" latinLnBrk="0" hangingPunct="1">
+              <a:spcBef>
+                <a:spcPct val="20000"/>
+              </a:spcBef>
+              <a:buSzPct val="60000"/>
+              <a:buFont typeface="Wingdings" pitchFamily="2" charset="2"/>
+              <a:buChar char=""/>
+              <a:defRPr sz="1900" kern="1200">
+                <a:solidFill>
+                  <a:schemeClr val="tx1"/>
+                </a:solidFill>
+                <a:effectLst>
+                  <a:outerShdw blurRad="38100" dist="38100" dir="2700000" algn="tl">
+                    <a:srgbClr val="000000">
+                      <a:alpha val="43137"/>
+                    </a:srgbClr>
+                  </a:outerShdw>
+                </a:effectLst>
+                <a:latin typeface="+mn-lt"/>
+                <a:ea typeface="+mn-ea"/>
+                <a:cs typeface="+mn-cs"/>
+              </a:defRPr>
+            </a:lvl2pPr>
+            <a:lvl3pPr marL="1005840" indent="-256032" algn="l" defTabSz="914400" rtl="0" eaLnBrk="1" latinLnBrk="0" hangingPunct="1">
+              <a:spcBef>
+                <a:spcPct val="20000"/>
+              </a:spcBef>
+              <a:buSzPct val="60000"/>
+              <a:buFont typeface="Wingdings" pitchFamily="2" charset="2"/>
+              <a:buChar char=""/>
+              <a:defRPr sz="1700" kern="1200">
+                <a:solidFill>
+                  <a:schemeClr val="tx1"/>
+                </a:solidFill>
+                <a:effectLst>
+                  <a:outerShdw blurRad="38100" dist="38100" dir="2700000" algn="tl">
+                    <a:srgbClr val="000000">
+                      <a:alpha val="43137"/>
+                    </a:srgbClr>
+                  </a:outerShdw>
+                </a:effectLst>
+                <a:latin typeface="+mn-lt"/>
+                <a:ea typeface="+mn-ea"/>
+                <a:cs typeface="+mn-cs"/>
+              </a:defRPr>
+            </a:lvl3pPr>
+            <a:lvl4pPr marL="1371600" indent="-256032" algn="l" defTabSz="914400" rtl="0" eaLnBrk="1" latinLnBrk="0" hangingPunct="1">
+              <a:spcBef>
+                <a:spcPct val="20000"/>
+              </a:spcBef>
+              <a:buSzPct val="60000"/>
+              <a:buFont typeface="Wingdings" pitchFamily="2" charset="2"/>
+              <a:buChar char=""/>
+              <a:defRPr sz="1600" kern="1200">
+                <a:solidFill>
+                  <a:schemeClr val="tx1"/>
+                </a:solidFill>
+                <a:effectLst>
+                  <a:outerShdw blurRad="38100" dist="38100" dir="2700000" algn="tl">
+                    <a:srgbClr val="000000">
+                      <a:alpha val="43137"/>
+                    </a:srgbClr>
+                  </a:outerShdw>
+                </a:effectLst>
+                <a:latin typeface="+mn-lt"/>
+                <a:ea typeface="+mn-ea"/>
+                <a:cs typeface="+mn-cs"/>
+              </a:defRPr>
+            </a:lvl4pPr>
+            <a:lvl5pPr marL="1645920" indent="-256032" algn="l" defTabSz="914400" rtl="0" eaLnBrk="1" latinLnBrk="0" hangingPunct="1">
+              <a:spcBef>
+                <a:spcPct val="20000"/>
+              </a:spcBef>
+              <a:buSzPct val="60000"/>
+              <a:buFont typeface="Wingdings" pitchFamily="2" charset="2"/>
+              <a:buChar char=""/>
+              <a:defRPr sz="1500" kern="1200">
+                <a:solidFill>
+                  <a:schemeClr val="tx1"/>
+                </a:solidFill>
+                <a:effectLst>
+                  <a:outerShdw blurRad="38100" dist="38100" dir="2700000" algn="tl">
+                    <a:srgbClr val="000000">
+                      <a:alpha val="43137"/>
+                    </a:srgbClr>
+                  </a:outerShdw>
+                </a:effectLst>
+                <a:latin typeface="+mn-lt"/>
+                <a:ea typeface="+mn-ea"/>
+                <a:cs typeface="+mn-cs"/>
+              </a:defRPr>
+            </a:lvl5pPr>
+            <a:lvl6pPr marL="1965960" indent="-256032" algn="l" defTabSz="914400" rtl="0" eaLnBrk="1" latinLnBrk="0" hangingPunct="1">
+              <a:spcBef>
+                <a:spcPct val="20000"/>
+              </a:spcBef>
+              <a:buSzPct val="60000"/>
+              <a:buFont typeface="Wingdings" pitchFamily="2" charset="2"/>
+              <a:buChar char=""/>
+              <a:defRPr sz="1400" kern="1200">
+                <a:solidFill>
+                  <a:schemeClr val="tx1"/>
+                </a:solidFill>
+                <a:effectLst>
+                  <a:outerShdw blurRad="38100" dist="38100" dir="2700000" algn="ctr" rotWithShape="0">
+                    <a:srgbClr val="000000">
+                      <a:alpha val="43000"/>
+                    </a:srgbClr>
+                  </a:outerShdw>
+                </a:effectLst>
+                <a:latin typeface="+mn-lt"/>
+                <a:ea typeface="+mn-ea"/>
+                <a:cs typeface="+mn-cs"/>
+              </a:defRPr>
+            </a:lvl6pPr>
+            <a:lvl7pPr marL="2240280" indent="-256032" algn="l" defTabSz="914400" rtl="0" eaLnBrk="1" latinLnBrk="0" hangingPunct="1">
+              <a:spcBef>
+                <a:spcPct val="20000"/>
+              </a:spcBef>
+              <a:buSzPct val="60000"/>
+              <a:buFont typeface="Wingdings" pitchFamily="2" charset="2"/>
+              <a:buChar char=""/>
+              <a:defRPr sz="1400" kern="1200">
+                <a:solidFill>
+                  <a:schemeClr val="tx1"/>
+                </a:solidFill>
+                <a:effectLst>
+                  <a:outerShdw blurRad="38100" dist="38100" dir="2700000" algn="ctr" rotWithShape="0">
+                    <a:srgbClr val="000000">
+                      <a:alpha val="43000"/>
+                    </a:srgbClr>
+                  </a:outerShdw>
+                </a:effectLst>
+                <a:latin typeface="+mn-lt"/>
+                <a:ea typeface="+mn-ea"/>
+                <a:cs typeface="+mn-cs"/>
+              </a:defRPr>
+            </a:lvl7pPr>
+            <a:lvl8pPr marL="2514600" indent="-256032" algn="l" defTabSz="914400" rtl="0" eaLnBrk="1" latinLnBrk="0" hangingPunct="1">
+              <a:spcBef>
+                <a:spcPct val="20000"/>
+              </a:spcBef>
+              <a:buSzPct val="60000"/>
+              <a:buFont typeface="Wingdings" pitchFamily="2" charset="2"/>
+              <a:buChar char=""/>
+              <a:defRPr sz="1400" kern="1200">
+                <a:solidFill>
+                  <a:schemeClr val="tx1"/>
+                </a:solidFill>
+                <a:effectLst>
+                  <a:outerShdw blurRad="38100" dist="38100" dir="2700000" algn="ctr" rotWithShape="0">
+                    <a:srgbClr val="000000">
+                      <a:alpha val="43000"/>
+                    </a:srgbClr>
+                  </a:outerShdw>
+                </a:effectLst>
+                <a:latin typeface="+mn-lt"/>
+                <a:ea typeface="+mn-ea"/>
+                <a:cs typeface="+mn-cs"/>
+              </a:defRPr>
+            </a:lvl8pPr>
+            <a:lvl9pPr marL="2834640" indent="-256032" algn="l" defTabSz="914400" rtl="0" eaLnBrk="1" latinLnBrk="0" hangingPunct="1">
+              <a:spcBef>
+                <a:spcPct val="20000"/>
+              </a:spcBef>
+              <a:buSzPct val="60000"/>
+              <a:buFont typeface="Wingdings" pitchFamily="2" charset="2"/>
+              <a:buChar char=""/>
+              <a:defRPr sz="1400" kern="1200">
+                <a:solidFill>
+                  <a:schemeClr val="tx1"/>
+                </a:solidFill>
+                <a:effectLst>
+                  <a:outerShdw blurRad="38100" dist="38100" dir="2700000" algn="ctr" rotWithShape="0">
+                    <a:srgbClr val="000000">
+                      <a:alpha val="43000"/>
+                    </a:srgbClr>
+                  </a:outerShdw>
+                </a:effectLst>
+                <a:latin typeface="+mn-lt"/>
+                <a:ea typeface="+mn-ea"/>
+                <a:cs typeface="+mn-cs"/>
+              </a:defRPr>
+            </a:lvl9pPr>
+          </a:lstStyle>
+          <a:p>
+            <a:pPr marL="384048" lvl="1" indent="0">
+              <a:buNone/>
+            </a:pPr>
+            <a:r>
+              <a:rPr lang="en-US" dirty="0">
+                <a:effectLst/>
+              </a:rPr>
+              <a:t>{</a:t>
+            </a:r>
+          </a:p>
+          <a:p>
+            <a:pPr marL="384048" lvl="1" indent="0">
+              <a:buNone/>
+            </a:pPr>
+            <a:r>
+              <a:rPr lang="en-US" dirty="0">
+                <a:effectLst/>
+              </a:rPr>
+              <a:t>   “data” :{</a:t>
+            </a:r>
+          </a:p>
+          <a:p>
+            <a:pPr marL="384048" lvl="1" indent="0">
+              <a:buNone/>
+            </a:pPr>
+            <a:r>
+              <a:rPr lang="en-US" dirty="0">
+                <a:effectLst/>
+              </a:rPr>
+              <a:t>        "</a:t>
+            </a:r>
+            <a:r>
+              <a:rPr lang="en-US" dirty="0" err="1">
+                <a:effectLst/>
+              </a:rPr>
+              <a:t>uuid</a:t>
+            </a:r>
+            <a:r>
+              <a:rPr lang="en-US" dirty="0">
+                <a:effectLst/>
+              </a:rPr>
+              <a:t>": "8894aff2",</a:t>
+            </a:r>
+          </a:p>
+          <a:p>
+            <a:pPr marL="384048" lvl="1" indent="0">
+              <a:buNone/>
+            </a:pPr>
+            <a:r>
+              <a:rPr lang="en-US" dirty="0">
+                <a:effectLst/>
+              </a:rPr>
+              <a:t>        "name": “Erik”,</a:t>
+            </a:r>
+          </a:p>
+          <a:p>
+            <a:pPr marL="384048" lvl="1" indent="0">
+              <a:buNone/>
+            </a:pPr>
+            <a:r>
+              <a:rPr lang="en-US" dirty="0">
+                <a:effectLst/>
+              </a:rPr>
+              <a:t>        "password": “password”,</a:t>
+            </a:r>
+          </a:p>
+          <a:p>
+            <a:pPr marL="384048" lvl="1" indent="0">
+              <a:buNone/>
+            </a:pPr>
+            <a:r>
+              <a:rPr lang="en-US" dirty="0">
+                <a:effectLst/>
+              </a:rPr>
+              <a:t>        "active": 1,</a:t>
+            </a:r>
+          </a:p>
+          <a:p>
+            <a:pPr marL="384048" lvl="1" indent="0">
+              <a:buNone/>
+            </a:pPr>
+            <a:r>
+              <a:rPr lang="en-US" dirty="0">
+                <a:effectLst/>
+              </a:rPr>
+              <a:t>        "id": 1,</a:t>
+            </a:r>
+          </a:p>
+          <a:p>
+            <a:pPr marL="384048" lvl="1" indent="0">
+              <a:buNone/>
+            </a:pPr>
+            <a:r>
+              <a:rPr lang="en-US" dirty="0">
+                <a:effectLst/>
+              </a:rPr>
+              <a:t>        "email": "</a:t>
+            </a:r>
+            <a:r>
+              <a:rPr lang="en-US" dirty="0" err="1">
+                <a:effectLst/>
+              </a:rPr>
+              <a:t>tank@jundy.com</a:t>
+            </a:r>
+            <a:r>
+              <a:rPr lang="en-US" dirty="0">
+                <a:effectLst/>
+              </a:rPr>
+              <a:t>",</a:t>
+            </a:r>
+          </a:p>
+          <a:p>
+            <a:pPr marL="384048" lvl="1" indent="0">
+              <a:buNone/>
+            </a:pPr>
+            <a:r>
+              <a:rPr lang="en-US" dirty="0">
+                <a:effectLst/>
+              </a:rPr>
+              <a:t>        "username": "</a:t>
+            </a:r>
+            <a:r>
+              <a:rPr lang="en-US" dirty="0" err="1">
+                <a:effectLst/>
+              </a:rPr>
+              <a:t>erik</a:t>
+            </a:r>
+            <a:r>
+              <a:rPr lang="en-US" dirty="0">
+                <a:effectLst/>
+              </a:rPr>
+              <a:t>",</a:t>
+            </a:r>
+          </a:p>
+          <a:p>
+            <a:pPr marL="384048" lvl="1" indent="0">
+              <a:buNone/>
+            </a:pPr>
+            <a:r>
+              <a:rPr lang="en-US" dirty="0">
+                <a:effectLst/>
+              </a:rPr>
+              <a:t>        "created": "2018-06-14T12:50:36Z”</a:t>
+            </a:r>
+          </a:p>
+          <a:p>
+            <a:pPr marL="384048" lvl="1" indent="0">
+              <a:buNone/>
+            </a:pPr>
+            <a:r>
+              <a:rPr lang="en-US" dirty="0">
+                <a:effectLst/>
+              </a:rPr>
+              <a:t>    },</a:t>
+            </a:r>
+          </a:p>
+          <a:p>
+            <a:pPr marL="384048" lvl="1" indent="0">
+              <a:buNone/>
+            </a:pPr>
+            <a:r>
+              <a:rPr lang="en-US" dirty="0">
+                <a:effectLst/>
+              </a:rPr>
+              <a:t>    “error” : {}</a:t>
+            </a:r>
+          </a:p>
+          <a:p>
+            <a:pPr marL="384048" lvl="1" indent="0">
+              <a:buNone/>
+            </a:pPr>
+            <a:r>
+              <a:rPr lang="en-US" dirty="0">
+                <a:effectLst/>
+              </a:rPr>
+              <a:t>}</a:t>
+            </a:r>
+          </a:p>
+        </p:txBody>
+      </p:sp>
+    </p:spTree>
+    <p:extLst>
+      <p:ext uri="{BB962C8B-B14F-4D97-AF65-F5344CB8AC3E}">
+        <p14:creationId xmlns:p14="http://schemas.microsoft.com/office/powerpoint/2010/main" val="1150818301"/>
+      </p:ext>
+    </p:extLst>
+  </p:cSld>
+  <p:clrMapOvr>
+    <a:masterClrMapping/>
+  </p:clrMapOvr>
+</p:sld>
+</file>
+
+<file path=ppt/slides/slide12.xml><?xml version="1.0" encoding="utf-8"?>
+<p:sld xmlns:a="http://schemas.openxmlformats.org/drawingml/2006/main" xmlns:r="http://schemas.openxmlformats.org/officeDocument/2006/relationships" xmlns:p="http://schemas.openxmlformats.org/presentationml/2006/main">
+  <p:cSld>
+    <p:spTree>
+      <p:nvGrpSpPr>
+        <p:cNvPr id="1" name=""/>
+        <p:cNvGrpSpPr/>
+        <p:nvPr/>
+      </p:nvGrpSpPr>
+      <p:grpSpPr>
+        <a:xfrm>
+          <a:off x="0" y="0"/>
+          <a:ext cx="0" cy="0"/>
+          <a:chOff x="0" y="0"/>
+          <a:chExt cx="0" cy="0"/>
+        </a:xfrm>
+      </p:grpSpPr>
+      <p:sp>
+        <p:nvSpPr>
+          <p:cNvPr id="2" name="Content Placeholder 1"/>
+          <p:cNvSpPr>
+            <a:spLocks noGrp="1"/>
+          </p:cNvSpPr>
+          <p:nvPr>
+            <p:ph idx="1"/>
+          </p:nvPr>
+        </p:nvSpPr>
+        <p:spPr>
+          <a:xfrm>
+            <a:off x="1428750" y="685801"/>
+            <a:ext cx="6892290" cy="3657599"/>
+          </a:xfrm>
+        </p:spPr>
+        <p:txBody>
+          <a:bodyPr/>
+          <a:lstStyle/>
+          <a:p>
+            <a:pPr lvl="1"/>
+            <a:r>
+              <a:rPr lang="en-US" dirty="0">
+                <a:effectLst/>
+              </a:rPr>
+              <a:t>Content-Type: type/subtype; parameter</a:t>
+            </a:r>
+          </a:p>
+          <a:p>
+            <a:pPr lvl="2"/>
+            <a:r>
+              <a:rPr lang="en-US" dirty="0">
+                <a:effectLst/>
+              </a:rPr>
+              <a:t>text/html; charset=ISO-8859-4</a:t>
+            </a:r>
+          </a:p>
+          <a:p>
+            <a:pPr lvl="2"/>
+            <a:r>
+              <a:rPr lang="en-US" dirty="0">
+                <a:effectLst/>
+              </a:rPr>
+              <a:t>application/</a:t>
+            </a:r>
+            <a:r>
+              <a:rPr lang="en-US" dirty="0" err="1">
+                <a:effectLst/>
+              </a:rPr>
+              <a:t>json</a:t>
+            </a:r>
+            <a:endParaRPr lang="en-US" dirty="0">
+              <a:effectLst/>
+            </a:endParaRPr>
+          </a:p>
+          <a:p>
+            <a:pPr lvl="1"/>
+            <a:r>
+              <a:rPr lang="en-US" dirty="0" err="1">
+                <a:effectLst/>
+              </a:rPr>
+              <a:t>Etag</a:t>
+            </a:r>
+            <a:endParaRPr lang="en-US" dirty="0">
+              <a:effectLst/>
+            </a:endParaRPr>
+          </a:p>
+          <a:p>
+            <a:pPr lvl="1"/>
+            <a:r>
+              <a:rPr lang="en-US" dirty="0">
+                <a:effectLst/>
+              </a:rPr>
+              <a:t>Last-Modified</a:t>
+            </a:r>
+          </a:p>
+          <a:p>
+            <a:pPr lvl="1"/>
+            <a:r>
+              <a:rPr lang="en-US" dirty="0">
+                <a:effectLst/>
+              </a:rPr>
+              <a:t>Expires</a:t>
+            </a:r>
+          </a:p>
+          <a:p>
+            <a:pPr lvl="1"/>
+            <a:endParaRPr lang="en-US" dirty="0">
+              <a:effectLst/>
+            </a:endParaRPr>
+          </a:p>
+          <a:p>
+            <a:pPr lvl="1"/>
+            <a:r>
+              <a:rPr lang="en-US" dirty="0">
+                <a:effectLst/>
+              </a:rPr>
+              <a:t>Accept: type/subtype</a:t>
+            </a:r>
+          </a:p>
+        </p:txBody>
+      </p:sp>
+      <p:sp>
+        <p:nvSpPr>
+          <p:cNvPr id="3" name="Title 2"/>
+          <p:cNvSpPr>
+            <a:spLocks noGrp="1"/>
+          </p:cNvSpPr>
+          <p:nvPr>
+            <p:ph type="title"/>
+          </p:nvPr>
+        </p:nvSpPr>
+        <p:spPr/>
+        <p:txBody>
+          <a:bodyPr/>
+          <a:lstStyle/>
+          <a:p>
+            <a:r>
+              <a:rPr lang="en-US" dirty="0"/>
+              <a:t>HTTP Headers</a:t>
+            </a:r>
+          </a:p>
+        </p:txBody>
+      </p:sp>
+    </p:spTree>
+    <p:extLst>
+      <p:ext uri="{BB962C8B-B14F-4D97-AF65-F5344CB8AC3E}">
+        <p14:creationId xmlns:p14="http://schemas.microsoft.com/office/powerpoint/2010/main" val="1918177446"/>
+      </p:ext>
+    </p:extLst>
+  </p:cSld>
+  <p:clrMapOvr>
+    <a:masterClrMapping/>
+  </p:clrMapOvr>
+</p:sld>
+</file>
+
+<file path=ppt/slides/slide13.xml><?xml version="1.0" encoding="utf-8"?>
+<p:sld xmlns:a="http://schemas.openxmlformats.org/drawingml/2006/main" xmlns:r="http://schemas.openxmlformats.org/officeDocument/2006/relationships" xmlns:p="http://schemas.openxmlformats.org/presentationml/2006/main">
+  <p:cSld>
+    <p:spTree>
+      <p:nvGrpSpPr>
+        <p:cNvPr id="1" name=""/>
+        <p:cNvGrpSpPr/>
+        <p:nvPr/>
+      </p:nvGrpSpPr>
+      <p:grpSpPr>
+        <a:xfrm>
+          <a:off x="0" y="0"/>
+          <a:ext cx="0" cy="0"/>
+          <a:chOff x="0" y="0"/>
+          <a:chExt cx="0" cy="0"/>
+        </a:xfrm>
+      </p:grpSpPr>
+      <p:sp>
+        <p:nvSpPr>
+          <p:cNvPr id="2" name="Content Placeholder 1"/>
+          <p:cNvSpPr>
+            <a:spLocks noGrp="1"/>
+          </p:cNvSpPr>
+          <p:nvPr>
+            <p:ph idx="1"/>
+          </p:nvPr>
+        </p:nvSpPr>
+        <p:spPr>
+          <a:xfrm>
+            <a:off x="1428750" y="685801"/>
+            <a:ext cx="6892290" cy="4400549"/>
+          </a:xfrm>
+        </p:spPr>
+        <p:txBody>
+          <a:bodyPr>
+            <a:normAutofit/>
+          </a:bodyPr>
+          <a:lstStyle/>
+          <a:p>
+            <a:pPr lvl="1"/>
+            <a:r>
+              <a:rPr lang="en-US" dirty="0">
+                <a:effectLst/>
+              </a:rPr>
+              <a:t>Success</a:t>
+            </a:r>
+          </a:p>
+          <a:p>
+            <a:pPr lvl="2"/>
+            <a:r>
+              <a:rPr lang="en-US" dirty="0">
+                <a:effectLst/>
+              </a:rPr>
+              <a:t>200 – OK</a:t>
+            </a:r>
+          </a:p>
+          <a:p>
+            <a:pPr lvl="2"/>
+            <a:r>
+              <a:rPr lang="en-US" dirty="0">
+                <a:effectLst/>
+              </a:rPr>
+              <a:t>201 – Created</a:t>
+            </a:r>
+          </a:p>
+          <a:p>
+            <a:pPr lvl="2"/>
+            <a:r>
+              <a:rPr lang="en-US" dirty="0">
+                <a:effectLst/>
+              </a:rPr>
+              <a:t>204 – No content</a:t>
+            </a:r>
+          </a:p>
+          <a:p>
+            <a:pPr lvl="1"/>
+            <a:r>
+              <a:rPr lang="en-US" dirty="0">
+                <a:effectLst/>
+              </a:rPr>
+              <a:t>Client Error</a:t>
+            </a:r>
+          </a:p>
+          <a:p>
+            <a:pPr lvl="2"/>
+            <a:r>
+              <a:rPr lang="en-US" dirty="0">
+                <a:effectLst/>
+              </a:rPr>
+              <a:t>400 – Bad request</a:t>
+            </a:r>
+          </a:p>
+          <a:p>
+            <a:pPr lvl="2"/>
+            <a:r>
+              <a:rPr lang="en-US" dirty="0">
+                <a:effectLst/>
+              </a:rPr>
+              <a:t>401 – Unauthorized</a:t>
+            </a:r>
+          </a:p>
+          <a:p>
+            <a:pPr lvl="2"/>
+            <a:r>
+              <a:rPr lang="en-US" dirty="0">
+                <a:effectLst/>
+              </a:rPr>
+              <a:t>403 – Forbidden</a:t>
+            </a:r>
+          </a:p>
+          <a:p>
+            <a:pPr lvl="2"/>
+            <a:r>
+              <a:rPr lang="en-US" dirty="0">
+                <a:effectLst/>
+              </a:rPr>
+              <a:t>404 – Not Found</a:t>
+            </a:r>
+          </a:p>
+          <a:p>
+            <a:pPr lvl="2"/>
+            <a:r>
+              <a:rPr lang="en-US" dirty="0">
+                <a:effectLst/>
+              </a:rPr>
+              <a:t>409 – Conflict</a:t>
+            </a:r>
+          </a:p>
+          <a:p>
+            <a:pPr lvl="2"/>
+            <a:r>
+              <a:rPr lang="en-US" dirty="0">
+                <a:effectLst/>
+              </a:rPr>
+              <a:t>418 – I’m a teapot</a:t>
+            </a:r>
+          </a:p>
+          <a:p>
+            <a:pPr lvl="1"/>
+            <a:r>
+              <a:rPr lang="en-US" dirty="0">
+                <a:effectLst/>
+              </a:rPr>
+              <a:t>Server Error</a:t>
+            </a:r>
+          </a:p>
+          <a:p>
+            <a:pPr lvl="2"/>
+            <a:r>
+              <a:rPr lang="en-US" dirty="0">
+                <a:effectLst/>
+              </a:rPr>
+              <a:t>500 – Internal Server Error</a:t>
+            </a:r>
+          </a:p>
+          <a:p>
+            <a:pPr lvl="1"/>
+            <a:endParaRPr lang="en-US" dirty="0">
+              <a:effectLst/>
+            </a:endParaRPr>
+          </a:p>
+          <a:p>
+            <a:pPr lvl="1"/>
+            <a:endParaRPr lang="en-US" dirty="0">
+              <a:effectLst/>
+            </a:endParaRPr>
+          </a:p>
+        </p:txBody>
+      </p:sp>
+      <p:sp>
+        <p:nvSpPr>
+          <p:cNvPr id="3" name="Title 2"/>
+          <p:cNvSpPr>
+            <a:spLocks noGrp="1"/>
+          </p:cNvSpPr>
+          <p:nvPr>
+            <p:ph type="title"/>
+          </p:nvPr>
+        </p:nvSpPr>
+        <p:spPr/>
+        <p:txBody>
+          <a:bodyPr/>
+          <a:lstStyle/>
+          <a:p>
+            <a:r>
+              <a:rPr lang="en-US" dirty="0"/>
+              <a:t>HTTP Response Codes</a:t>
+            </a:r>
+          </a:p>
+        </p:txBody>
+      </p:sp>
+    </p:spTree>
+    <p:extLst>
+      <p:ext uri="{BB962C8B-B14F-4D97-AF65-F5344CB8AC3E}">
+        <p14:creationId xmlns:p14="http://schemas.microsoft.com/office/powerpoint/2010/main" val="642502124"/>
+      </p:ext>
+    </p:extLst>
+  </p:cSld>
+  <p:clrMapOvr>
+    <a:masterClrMapping/>
+  </p:clrMapOvr>
+</p:sld>
+</file>
+
+<file path=ppt/slides/slide14.xml><?xml version="1.0" encoding="utf-8"?>
+<p:sld xmlns:a="http://schemas.openxmlformats.org/drawingml/2006/main" xmlns:r="http://schemas.openxmlformats.org/officeDocument/2006/relationships" xmlns:p="http://schemas.openxmlformats.org/presentationml/2006/main">
+  <p:cSld>
+    <p:spTree>
+      <p:nvGrpSpPr>
+        <p:cNvPr id="1" name=""/>
+        <p:cNvGrpSpPr/>
+        <p:nvPr/>
+      </p:nvGrpSpPr>
+      <p:grpSpPr>
+        <a:xfrm>
+          <a:off x="0" y="0"/>
+          <a:ext cx="0" cy="0"/>
+          <a:chOff x="0" y="0"/>
+          <a:chExt cx="0" cy="0"/>
+        </a:xfrm>
+      </p:grpSpPr>
+      <p:sp>
+        <p:nvSpPr>
+          <p:cNvPr id="2" name="Content Placeholder 1"/>
+          <p:cNvSpPr>
+            <a:spLocks noGrp="1"/>
+          </p:cNvSpPr>
+          <p:nvPr>
+            <p:ph idx="1"/>
+          </p:nvPr>
+        </p:nvSpPr>
+        <p:spPr>
+          <a:xfrm>
+            <a:off x="1428750" y="685801"/>
+            <a:ext cx="6892290" cy="3657599"/>
+          </a:xfrm>
+        </p:spPr>
+        <p:txBody>
+          <a:bodyPr/>
+          <a:lstStyle/>
+          <a:p>
+            <a:pPr lvl="1"/>
+            <a:r>
+              <a:rPr lang="en-US" dirty="0">
+                <a:effectLst/>
+              </a:rPr>
+              <a:t>“light-weight route-based web application framework for Perl 6”</a:t>
+            </a:r>
+            <a:endParaRPr lang="en-US" dirty="0"/>
+          </a:p>
+          <a:p>
+            <a:pPr lvl="1"/>
+            <a:r>
+              <a:rPr lang="en-US" dirty="0"/>
+              <a:t>Spanish: Dancer</a:t>
+            </a:r>
+          </a:p>
+          <a:p>
+            <a:pPr lvl="1"/>
+            <a:r>
+              <a:rPr lang="en-US" dirty="0"/>
+              <a:t>Based off of Perl 5 Dancer framework</a:t>
+            </a:r>
+          </a:p>
+          <a:p>
+            <a:pPr lvl="1"/>
+            <a:r>
+              <a:rPr lang="en-US" dirty="0"/>
+              <a:t>2011?</a:t>
+            </a:r>
+          </a:p>
+        </p:txBody>
+      </p:sp>
+      <p:sp>
+        <p:nvSpPr>
+          <p:cNvPr id="3" name="Title 2"/>
+          <p:cNvSpPr>
+            <a:spLocks noGrp="1"/>
+          </p:cNvSpPr>
+          <p:nvPr>
+            <p:ph type="title"/>
+          </p:nvPr>
+        </p:nvSpPr>
+        <p:spPr/>
+        <p:txBody>
+          <a:bodyPr/>
+          <a:lstStyle/>
+          <a:p>
+            <a:r>
+              <a:rPr lang="en-US" dirty="0"/>
+              <a:t>Perl 6 &amp; </a:t>
+            </a:r>
+            <a:r>
+              <a:rPr lang="en-US" dirty="0" err="1"/>
+              <a:t>Bailador</a:t>
+            </a:r>
+            <a:endParaRPr lang="en-US" dirty="0"/>
+          </a:p>
+        </p:txBody>
+      </p:sp>
+    </p:spTree>
+    <p:extLst>
+      <p:ext uri="{BB962C8B-B14F-4D97-AF65-F5344CB8AC3E}">
+        <p14:creationId xmlns:p14="http://schemas.microsoft.com/office/powerpoint/2010/main" val="1259898736"/>
+      </p:ext>
+    </p:extLst>
+  </p:cSld>
+  <p:clrMapOvr>
+    <a:masterClrMapping/>
+  </p:clrMapOvr>
+</p:sld>
+</file>
+
+<file path=ppt/slides/slide15.xml><?xml version="1.0" encoding="utf-8"?>
+<p:sld xmlns:a="http://schemas.openxmlformats.org/drawingml/2006/main" xmlns:r="http://schemas.openxmlformats.org/officeDocument/2006/relationships" xmlns:p="http://schemas.openxmlformats.org/presentationml/2006/main">
+  <p:cSld>
+    <p:spTree>
+      <p:nvGrpSpPr>
+        <p:cNvPr id="1" name=""/>
+        <p:cNvGrpSpPr/>
+        <p:nvPr/>
+      </p:nvGrpSpPr>
+      <p:grpSpPr>
+        <a:xfrm>
+          <a:off x="0" y="0"/>
+          <a:ext cx="0" cy="0"/>
+          <a:chOff x="0" y="0"/>
+          <a:chExt cx="0" cy="0"/>
+        </a:xfrm>
+      </p:grpSpPr>
+      <p:sp>
+        <p:nvSpPr>
+          <p:cNvPr id="2" name="Content Placeholder 1"/>
+          <p:cNvSpPr>
+            <a:spLocks noGrp="1"/>
+          </p:cNvSpPr>
+          <p:nvPr>
+            <p:ph idx="1"/>
+          </p:nvPr>
+        </p:nvSpPr>
+        <p:spPr>
+          <a:xfrm>
+            <a:off x="1428750" y="685801"/>
+            <a:ext cx="6892290" cy="3657599"/>
+          </a:xfrm>
+        </p:spPr>
+        <p:txBody>
+          <a:bodyPr/>
+          <a:lstStyle/>
+          <a:p>
+            <a:pPr lvl="1"/>
+            <a:r>
+              <a:rPr lang="en-US" dirty="0" err="1"/>
+              <a:t>bailador</a:t>
+            </a:r>
+            <a:r>
+              <a:rPr lang="en-US" dirty="0"/>
+              <a:t> new Project-Name</a:t>
+            </a:r>
+          </a:p>
+          <a:p>
+            <a:pPr lvl="1"/>
+            <a:endParaRPr lang="en-US" dirty="0"/>
+          </a:p>
+          <a:p>
+            <a:pPr lvl="1"/>
+            <a:r>
+              <a:rPr lang="en-US" dirty="0" err="1"/>
+              <a:t>Bailador</a:t>
+            </a:r>
+            <a:r>
+              <a:rPr lang="en-US" dirty="0"/>
+              <a:t> easy bin/app.pl6</a:t>
+            </a:r>
+          </a:p>
+          <a:p>
+            <a:pPr lvl="1"/>
+            <a:r>
+              <a:rPr lang="en-US" dirty="0" err="1"/>
+              <a:t>Bailador</a:t>
+            </a:r>
+            <a:r>
+              <a:rPr lang="en-US" dirty="0"/>
+              <a:t> watch bin/app.pl6</a:t>
+            </a:r>
+          </a:p>
+        </p:txBody>
+      </p:sp>
+      <p:sp>
+        <p:nvSpPr>
+          <p:cNvPr id="3" name="Title 2"/>
+          <p:cNvSpPr>
+            <a:spLocks noGrp="1"/>
+          </p:cNvSpPr>
+          <p:nvPr>
+            <p:ph type="title"/>
+          </p:nvPr>
+        </p:nvSpPr>
+        <p:spPr/>
+        <p:txBody>
+          <a:bodyPr/>
+          <a:lstStyle/>
+          <a:p>
+            <a:r>
+              <a:rPr lang="en-US" dirty="0"/>
+              <a:t>Perl 6 &amp; </a:t>
+            </a:r>
+            <a:r>
+              <a:rPr lang="en-US" dirty="0" err="1"/>
+              <a:t>Bailador</a:t>
+            </a:r>
+            <a:endParaRPr lang="en-US" dirty="0"/>
+          </a:p>
+        </p:txBody>
+      </p:sp>
+    </p:spTree>
+    <p:extLst>
+      <p:ext uri="{BB962C8B-B14F-4D97-AF65-F5344CB8AC3E}">
+        <p14:creationId xmlns:p14="http://schemas.microsoft.com/office/powerpoint/2010/main" val="1548738681"/>
+      </p:ext>
+    </p:extLst>
+  </p:cSld>
+  <p:clrMapOvr>
+    <a:masterClrMapping/>
+  </p:clrMapOvr>
+</p:sld>
+</file>
+
+<file path=ppt/slides/slide16.xml><?xml version="1.0" encoding="utf-8"?>
+<p:sld xmlns:a="http://schemas.openxmlformats.org/drawingml/2006/main" xmlns:r="http://schemas.openxmlformats.org/officeDocument/2006/relationships" xmlns:p="http://schemas.openxmlformats.org/presentationml/2006/main">
+  <p:cSld>
+    <p:spTree>
+      <p:nvGrpSpPr>
+        <p:cNvPr id="1" name=""/>
+        <p:cNvGrpSpPr/>
+        <p:nvPr/>
+      </p:nvGrpSpPr>
+      <p:grpSpPr>
+        <a:xfrm>
+          <a:off x="0" y="0"/>
+          <a:ext cx="0" cy="0"/>
+          <a:chOff x="0" y="0"/>
+          <a:chExt cx="0" cy="0"/>
+        </a:xfrm>
+      </p:grpSpPr>
+      <p:sp>
+        <p:nvSpPr>
+          <p:cNvPr id="2" name="Content Placeholder 1"/>
+          <p:cNvSpPr>
+            <a:spLocks noGrp="1"/>
+          </p:cNvSpPr>
+          <p:nvPr>
+            <p:ph idx="1"/>
+          </p:nvPr>
+        </p:nvSpPr>
+        <p:spPr>
+          <a:xfrm>
+            <a:off x="0" y="685801"/>
+            <a:ext cx="9041130" cy="5509259"/>
+          </a:xfrm>
+        </p:spPr>
+        <p:txBody>
+          <a:bodyPr/>
+          <a:lstStyle/>
+          <a:p>
+            <a:pPr lvl="1"/>
+            <a:r>
+              <a:rPr lang="en-US" dirty="0"/>
+              <a:t>https://</a:t>
+            </a:r>
+            <a:r>
+              <a:rPr lang="en-US" dirty="0" err="1"/>
+              <a:t>github.com</a:t>
+            </a:r>
+            <a:r>
+              <a:rPr lang="en-US" dirty="0"/>
+              <a:t>/</a:t>
+            </a:r>
+            <a:r>
+              <a:rPr lang="en-US" dirty="0" err="1"/>
+              <a:t>skeletonkey</a:t>
+            </a:r>
+            <a:r>
+              <a:rPr lang="en-US" dirty="0"/>
+              <a:t>/Perl6_REST</a:t>
+            </a:r>
+          </a:p>
+          <a:p>
+            <a:pPr lvl="1"/>
+            <a:r>
+              <a:rPr lang="en-US" dirty="0" err="1"/>
+              <a:t>Bailador</a:t>
+            </a:r>
+            <a:endParaRPr lang="en-US" dirty="0"/>
+          </a:p>
+          <a:p>
+            <a:pPr lvl="2"/>
+            <a:r>
+              <a:rPr lang="en-US" dirty="0"/>
+              <a:t>https://</a:t>
+            </a:r>
+            <a:r>
+              <a:rPr lang="en-US" dirty="0" err="1"/>
+              <a:t>github.com</a:t>
+            </a:r>
+            <a:r>
+              <a:rPr lang="en-US" dirty="0"/>
+              <a:t>/</a:t>
+            </a:r>
+            <a:r>
+              <a:rPr lang="en-US" dirty="0" err="1"/>
+              <a:t>Bailador</a:t>
+            </a:r>
+            <a:r>
+              <a:rPr lang="en-US" dirty="0"/>
+              <a:t>/</a:t>
+            </a:r>
+            <a:r>
+              <a:rPr lang="en-US" dirty="0" err="1"/>
+              <a:t>Bailador</a:t>
+            </a:r>
+            <a:endParaRPr lang="en-US" dirty="0"/>
+          </a:p>
+          <a:p>
+            <a:pPr lvl="2"/>
+            <a:r>
+              <a:rPr lang="en-US" dirty="0"/>
+              <a:t>https://github.com/Bailador/Bailador/tree/dev/doc</a:t>
+            </a:r>
+          </a:p>
+          <a:p>
+            <a:pPr lvl="2"/>
+            <a:r>
+              <a:rPr lang="en-US" dirty="0"/>
+              <a:t>https://github.com/Bailador/Bailador/tree/dev/examples</a:t>
+            </a:r>
+          </a:p>
+          <a:p>
+            <a:pPr lvl="1"/>
+            <a:r>
+              <a:rPr lang="en-US" dirty="0">
+                <a:effectLst/>
+              </a:rPr>
+              <a:t>REST API Design Rulebook by Mark Masse</a:t>
+            </a:r>
+          </a:p>
+          <a:p>
+            <a:pPr lvl="1"/>
+            <a:r>
+              <a:rPr lang="en-US" dirty="0" err="1">
+                <a:effectLst/>
+              </a:rPr>
+              <a:t>Fiedling’s</a:t>
+            </a:r>
+            <a:r>
+              <a:rPr lang="en-US" dirty="0">
+                <a:effectLst/>
+              </a:rPr>
+              <a:t> dissertation: https://www.ics.uci.edu/~fielding/pubs/dissertation/top.htm</a:t>
+            </a:r>
+          </a:p>
+          <a:p>
+            <a:pPr lvl="1"/>
+            <a:r>
+              <a:rPr lang="en-US" dirty="0">
+                <a:effectLst/>
+                <a:hlinkClick r:id="rId2"/>
+              </a:rPr>
+              <a:t>https://williamdurand.fr/2014/02/14/please-do-not-patch-like-an-idiot/</a:t>
+            </a:r>
+            <a:endParaRPr lang="en-US" dirty="0">
+              <a:effectLst/>
+            </a:endParaRPr>
+          </a:p>
+          <a:p>
+            <a:pPr lvl="1"/>
+            <a:r>
+              <a:rPr lang="en-US" dirty="0">
+                <a:effectLst/>
+                <a:hlinkClick r:id="rId3"/>
+              </a:rPr>
+              <a:t>https://medium.com/studioarmix/learn-restful-api-design-ideals-c5ec915a430f</a:t>
+            </a:r>
+            <a:endParaRPr lang="en-US" dirty="0">
+              <a:effectLst/>
+            </a:endParaRPr>
+          </a:p>
+          <a:p>
+            <a:pPr lvl="1"/>
+            <a:endParaRPr lang="en-US" dirty="0">
+              <a:effectLst/>
+            </a:endParaRPr>
+          </a:p>
+          <a:p>
+            <a:pPr lvl="1"/>
+            <a:endParaRPr lang="en-US" dirty="0"/>
+          </a:p>
+          <a:p>
+            <a:pPr lvl="1"/>
+            <a:endParaRPr lang="en-US" dirty="0"/>
+          </a:p>
+        </p:txBody>
+      </p:sp>
+      <p:sp>
+        <p:nvSpPr>
+          <p:cNvPr id="3" name="Title 2"/>
+          <p:cNvSpPr>
+            <a:spLocks noGrp="1"/>
+          </p:cNvSpPr>
+          <p:nvPr>
+            <p:ph type="title"/>
+          </p:nvPr>
+        </p:nvSpPr>
+        <p:spPr/>
+        <p:txBody>
+          <a:bodyPr/>
+          <a:lstStyle/>
+          <a:p>
+            <a:r>
+              <a:rPr lang="en-US" dirty="0"/>
+              <a:t>Resources</a:t>
+            </a:r>
+          </a:p>
+        </p:txBody>
+      </p:sp>
+    </p:spTree>
+    <p:extLst>
+      <p:ext uri="{BB962C8B-B14F-4D97-AF65-F5344CB8AC3E}">
+        <p14:creationId xmlns:p14="http://schemas.microsoft.com/office/powerpoint/2010/main" val="572158229"/>
+      </p:ext>
+    </p:extLst>
+  </p:cSld>
+  <p:clrMapOvr>
+    <a:masterClrMapping/>
+  </p:clrMapOvr>
+</p:sld>
+</file>
+
 <file path=ppt/slides/slide2.xml><?xml version="1.0" encoding="utf-8"?>
 <p:sld xmlns:a="http://schemas.openxmlformats.org/drawingml/2006/main" xmlns:r="http://schemas.openxmlformats.org/officeDocument/2006/relationships" xmlns:p="http://schemas.openxmlformats.org/presentationml/2006/main">
   <p:cSld>
@@ -4114,7 +6046,7 @@
         </p:nvSpPr>
         <p:spPr>
           <a:xfrm>
-            <a:off x="1428750" y="685801"/>
+            <a:off x="1417320" y="685801"/>
             <a:ext cx="6892290" cy="3657599"/>
           </a:xfrm>
         </p:spPr>
@@ -4124,132 +6056,2072 @@
           <a:p>
             <a:pPr lvl="1"/>
             <a:r>
+              <a:rPr lang="en-US" dirty="0">
+                <a:effectLst/>
+              </a:rPr>
+              <a:t>Representational State Transfer</a:t>
+            </a:r>
+          </a:p>
+          <a:p>
+            <a:pPr lvl="1"/>
+            <a:r>
+              <a:rPr lang="en-US" dirty="0">
+                <a:effectLst/>
+              </a:rPr>
+              <a:t>First described: Roy Thomas </a:t>
+            </a:r>
+            <a:r>
+              <a:rPr lang="en-US" dirty="0" err="1">
+                <a:effectLst/>
+              </a:rPr>
+              <a:t>Fiedling’s</a:t>
+            </a:r>
+            <a:r>
+              <a:rPr lang="en-US" dirty="0">
+                <a:effectLst/>
+              </a:rPr>
+              <a:t> 2000 Ph.D. dissertation: "Architectural Styles and the Design of Network-based Software Architectures”</a:t>
+            </a:r>
+            <a:endParaRPr lang="en-US" dirty="0"/>
+          </a:p>
+        </p:txBody>
+      </p:sp>
+      <p:sp>
+        <p:nvSpPr>
+          <p:cNvPr id="3" name="Title 2"/>
+          <p:cNvSpPr>
+            <a:spLocks noGrp="1"/>
+          </p:cNvSpPr>
+          <p:nvPr>
+            <p:ph type="title"/>
+          </p:nvPr>
+        </p:nvSpPr>
+        <p:spPr/>
+        <p:txBody>
+          <a:bodyPr/>
+          <a:lstStyle/>
+          <a:p>
+            <a:r>
               <a:rPr lang="en-US" dirty="0"/>
-              <a:t>https://</a:t>
-            </a:r>
-            <a:r>
-              <a:rPr lang="en-US" dirty="0" err="1"/>
-              <a:t>github.com</a:t>
-            </a:r>
-            <a:r>
-              <a:rPr lang="en-US" dirty="0"/>
-              <a:t>/</a:t>
-            </a:r>
-            <a:r>
-              <a:rPr lang="en-US" dirty="0" err="1"/>
-              <a:t>skeletonkey</a:t>
-            </a:r>
-            <a:r>
-              <a:rPr lang="en-US" dirty="0"/>
-              <a:t>/Perl6_REST</a:t>
-            </a:r>
-          </a:p>
-          <a:p>
-            <a:pPr lvl="1"/>
-            <a:r>
-              <a:rPr lang="en-US" dirty="0" err="1"/>
-              <a:t>Bailador</a:t>
-            </a:r>
-            <a:endParaRPr lang="en-US" dirty="0"/>
-          </a:p>
-          <a:p>
-            <a:pPr lvl="2"/>
-            <a:r>
-              <a:rPr lang="en-US" dirty="0"/>
-              <a:t>https://</a:t>
-            </a:r>
-            <a:r>
-              <a:rPr lang="en-US" dirty="0" err="1"/>
-              <a:t>github.com</a:t>
-            </a:r>
-            <a:r>
-              <a:rPr lang="en-US" dirty="0"/>
-              <a:t>/</a:t>
-            </a:r>
-            <a:r>
-              <a:rPr lang="en-US" dirty="0" err="1"/>
-              <a:t>Bailador</a:t>
-            </a:r>
-            <a:r>
-              <a:rPr lang="en-US" dirty="0"/>
-              <a:t>/</a:t>
-            </a:r>
-            <a:r>
-              <a:rPr lang="en-US" dirty="0" err="1"/>
-              <a:t>Bailador</a:t>
-            </a:r>
-            <a:endParaRPr lang="en-US" dirty="0"/>
-          </a:p>
-          <a:p>
-            <a:pPr lvl="2"/>
-            <a:r>
-              <a:rPr lang="en-US" dirty="0"/>
-              <a:t>https://github.com/Bailador/Bailador/tree/dev/doc</a:t>
-            </a:r>
-          </a:p>
-          <a:p>
-            <a:pPr lvl="2"/>
-            <a:r>
-              <a:rPr lang="en-US" dirty="0"/>
-              <a:t>https://</a:t>
-            </a:r>
-            <a:r>
-              <a:rPr lang="en-US" dirty="0" err="1"/>
-              <a:t>github.com</a:t>
-            </a:r>
-            <a:r>
-              <a:rPr lang="en-US" dirty="0"/>
-              <a:t>/</a:t>
-            </a:r>
-            <a:r>
-              <a:rPr lang="en-US" dirty="0" err="1"/>
-              <a:t>Bailador</a:t>
-            </a:r>
-            <a:r>
-              <a:rPr lang="en-US" dirty="0"/>
-              <a:t>/</a:t>
-            </a:r>
-            <a:r>
-              <a:rPr lang="en-US" dirty="0" err="1"/>
-              <a:t>Bailador</a:t>
-            </a:r>
-            <a:r>
-              <a:rPr lang="en-US" dirty="0"/>
-              <a:t>/tree/dev/examples</a:t>
-            </a:r>
-          </a:p>
-          <a:p>
-            <a:pPr lvl="1"/>
-            <a:endParaRPr lang="en-US" dirty="0"/>
-          </a:p>
-        </p:txBody>
-      </p:sp>
-      <p:sp>
-        <p:nvSpPr>
-          <p:cNvPr id="3" name="Title 2"/>
-          <p:cNvSpPr>
-            <a:spLocks noGrp="1"/>
-          </p:cNvSpPr>
-          <p:nvPr>
-            <p:ph type="title"/>
-          </p:nvPr>
-        </p:nvSpPr>
-        <p:spPr/>
-        <p:txBody>
-          <a:bodyPr/>
-          <a:lstStyle/>
-          <a:p>
-            <a:r>
-              <a:rPr lang="en-US" dirty="0"/>
-              <a:t>Resources</a:t>
-            </a:r>
-          </a:p>
-        </p:txBody>
-      </p:sp>
+              <a:t>REST</a:t>
+            </a:r>
+          </a:p>
+        </p:txBody>
+      </p:sp>
+      <p:pic>
+        <p:nvPicPr>
+          <p:cNvPr id="5" name="Picture 4">
+            <a:extLst>
+              <a:ext uri="{FF2B5EF4-FFF2-40B4-BE49-F238E27FC236}">
+                <a16:creationId xmlns:a16="http://schemas.microsoft.com/office/drawing/2014/main" id="{1D37FC9C-3502-FA42-9E4A-F99EF1BB8EB4}"/>
+              </a:ext>
+            </a:extLst>
+          </p:cNvPr>
+          <p:cNvPicPr>
+            <a:picLocks noChangeAspect="1"/>
+          </p:cNvPicPr>
+          <p:nvPr/>
+        </p:nvPicPr>
+        <p:blipFill>
+          <a:blip r:embed="rId2">
+            <a:extLst>
+              <a:ext uri="{28A0092B-C50C-407E-A947-70E740481C1C}">
+                <a14:useLocalDpi xmlns:a14="http://schemas.microsoft.com/office/drawing/2010/main" val="0"/>
+              </a:ext>
+            </a:extLst>
+          </a:blip>
+          <a:stretch>
+            <a:fillRect/>
+          </a:stretch>
+        </p:blipFill>
+        <p:spPr>
+          <a:xfrm>
+            <a:off x="3539490" y="4025900"/>
+            <a:ext cx="4419600" cy="1308100"/>
+          </a:xfrm>
+          <a:prstGeom prst="rect">
+            <a:avLst/>
+          </a:prstGeom>
+        </p:spPr>
+      </p:pic>
     </p:spTree>
     <p:extLst>
       <p:ext uri="{BB962C8B-B14F-4D97-AF65-F5344CB8AC3E}">
         <p14:creationId xmlns:p14="http://schemas.microsoft.com/office/powerpoint/2010/main" val="847399214"/>
+      </p:ext>
+    </p:extLst>
+  </p:cSld>
+  <p:clrMapOvr>
+    <a:masterClrMapping/>
+  </p:clrMapOvr>
+</p:sld>
+</file>
+
+<file path=ppt/slides/slide3.xml><?xml version="1.0" encoding="utf-8"?>
+<p:sld xmlns:a="http://schemas.openxmlformats.org/drawingml/2006/main" xmlns:r="http://schemas.openxmlformats.org/officeDocument/2006/relationships" xmlns:p="http://schemas.openxmlformats.org/presentationml/2006/main">
+  <p:cSld>
+    <p:spTree>
+      <p:nvGrpSpPr>
+        <p:cNvPr id="1" name=""/>
+        <p:cNvGrpSpPr/>
+        <p:nvPr/>
+      </p:nvGrpSpPr>
+      <p:grpSpPr>
+        <a:xfrm>
+          <a:off x="0" y="0"/>
+          <a:ext cx="0" cy="0"/>
+          <a:chOff x="0" y="0"/>
+          <a:chExt cx="0" cy="0"/>
+        </a:xfrm>
+      </p:grpSpPr>
+      <p:sp>
+        <p:nvSpPr>
+          <p:cNvPr id="2" name="Content Placeholder 1"/>
+          <p:cNvSpPr>
+            <a:spLocks noGrp="1"/>
+          </p:cNvSpPr>
+          <p:nvPr>
+            <p:ph idx="1"/>
+          </p:nvPr>
+        </p:nvSpPr>
+        <p:spPr>
+          <a:xfrm>
+            <a:off x="1417320" y="685801"/>
+            <a:ext cx="7349490" cy="3657599"/>
+          </a:xfrm>
+        </p:spPr>
+        <p:txBody>
+          <a:bodyPr/>
+          <a:lstStyle/>
+          <a:p>
+            <a:pPr lvl="1"/>
+            <a:r>
+              <a:rPr lang="en-US" dirty="0">
+                <a:effectLst/>
+              </a:rPr>
+              <a:t>Client – Server </a:t>
+            </a:r>
+          </a:p>
+          <a:p>
+            <a:pPr lvl="2"/>
+            <a:r>
+              <a:rPr lang="en-US" dirty="0">
+                <a:effectLst/>
+              </a:rPr>
+              <a:t>UI vs data storage</a:t>
+            </a:r>
+          </a:p>
+          <a:p>
+            <a:pPr lvl="1"/>
+            <a:r>
+              <a:rPr lang="en-US" dirty="0">
+                <a:effectLst/>
+              </a:rPr>
+              <a:t>Stateless</a:t>
+            </a:r>
+          </a:p>
+          <a:p>
+            <a:pPr lvl="2"/>
+            <a:r>
+              <a:rPr lang="en-US" dirty="0">
+                <a:effectLst/>
+              </a:rPr>
+              <a:t>Client is responsible for knowing the state</a:t>
+            </a:r>
+          </a:p>
+          <a:p>
+            <a:pPr lvl="1"/>
+            <a:r>
+              <a:rPr lang="en-US" dirty="0">
+                <a:effectLst/>
+              </a:rPr>
+              <a:t>Cache</a:t>
+            </a:r>
+          </a:p>
+          <a:p>
+            <a:pPr lvl="2"/>
+            <a:r>
+              <a:rPr lang="en-US" dirty="0">
+                <a:effectLst/>
+              </a:rPr>
+              <a:t>Layers can cache for network efficiency</a:t>
+            </a:r>
+          </a:p>
+          <a:p>
+            <a:pPr lvl="1"/>
+            <a:r>
+              <a:rPr lang="en-US" dirty="0">
+                <a:effectLst/>
+              </a:rPr>
+              <a:t>Uniformed Interface</a:t>
+            </a:r>
+          </a:p>
+          <a:p>
+            <a:pPr lvl="2"/>
+            <a:r>
+              <a:rPr lang="en-US" dirty="0">
+                <a:effectLst/>
+              </a:rPr>
+              <a:t>”implementations are decouple from the service they provide”</a:t>
+            </a:r>
+          </a:p>
+          <a:p>
+            <a:pPr lvl="1"/>
+            <a:r>
+              <a:rPr lang="en-US" dirty="0">
+                <a:effectLst/>
+              </a:rPr>
+              <a:t>Code on Demand</a:t>
+            </a:r>
+          </a:p>
+          <a:p>
+            <a:pPr lvl="2"/>
+            <a:r>
+              <a:rPr lang="en-US" dirty="0">
+                <a:effectLst/>
+              </a:rPr>
+              <a:t>Off load processing to client</a:t>
+            </a:r>
+          </a:p>
+        </p:txBody>
+      </p:sp>
+      <p:sp>
+        <p:nvSpPr>
+          <p:cNvPr id="3" name="Title 2"/>
+          <p:cNvSpPr>
+            <a:spLocks noGrp="1"/>
+          </p:cNvSpPr>
+          <p:nvPr>
+            <p:ph type="title"/>
+          </p:nvPr>
+        </p:nvSpPr>
+        <p:spPr/>
+        <p:txBody>
+          <a:bodyPr/>
+          <a:lstStyle/>
+          <a:p>
+            <a:r>
+              <a:rPr lang="en-US" dirty="0"/>
+              <a:t>Fielding dissertation</a:t>
+            </a:r>
+          </a:p>
+        </p:txBody>
+      </p:sp>
+    </p:spTree>
+    <p:extLst>
+      <p:ext uri="{BB962C8B-B14F-4D97-AF65-F5344CB8AC3E}">
+        <p14:creationId xmlns:p14="http://schemas.microsoft.com/office/powerpoint/2010/main" val="1951289521"/>
+      </p:ext>
+    </p:extLst>
+  </p:cSld>
+  <p:clrMapOvr>
+    <a:masterClrMapping/>
+  </p:clrMapOvr>
+</p:sld>
+</file>
+
+<file path=ppt/slides/slide4.xml><?xml version="1.0" encoding="utf-8"?>
+<p:sld xmlns:a="http://schemas.openxmlformats.org/drawingml/2006/main" xmlns:r="http://schemas.openxmlformats.org/officeDocument/2006/relationships" xmlns:p="http://schemas.openxmlformats.org/presentationml/2006/main">
+  <p:cSld>
+    <p:spTree>
+      <p:nvGrpSpPr>
+        <p:cNvPr id="1" name=""/>
+        <p:cNvGrpSpPr/>
+        <p:nvPr/>
+      </p:nvGrpSpPr>
+      <p:grpSpPr>
+        <a:xfrm>
+          <a:off x="0" y="0"/>
+          <a:ext cx="0" cy="0"/>
+          <a:chOff x="0" y="0"/>
+          <a:chExt cx="0" cy="0"/>
+        </a:xfrm>
+      </p:grpSpPr>
+      <p:sp>
+        <p:nvSpPr>
+          <p:cNvPr id="2" name="Content Placeholder 1"/>
+          <p:cNvSpPr>
+            <a:spLocks noGrp="1"/>
+          </p:cNvSpPr>
+          <p:nvPr>
+            <p:ph idx="1"/>
+          </p:nvPr>
+        </p:nvSpPr>
+        <p:spPr>
+          <a:xfrm>
+            <a:off x="1417320" y="685801"/>
+            <a:ext cx="7349490" cy="3657599"/>
+          </a:xfrm>
+        </p:spPr>
+        <p:txBody>
+          <a:bodyPr/>
+          <a:lstStyle/>
+          <a:p>
+            <a:pPr lvl="1"/>
+            <a:r>
+              <a:rPr lang="en-US" dirty="0">
+                <a:effectLst/>
+              </a:rPr>
+              <a:t>Four constraints</a:t>
+            </a:r>
+          </a:p>
+          <a:p>
+            <a:pPr lvl="2"/>
+            <a:r>
+              <a:rPr lang="en-US" dirty="0">
+                <a:effectLst/>
+              </a:rPr>
+              <a:t>Identification of resource</a:t>
+            </a:r>
+          </a:p>
+          <a:p>
+            <a:pPr lvl="3"/>
+            <a:r>
+              <a:rPr lang="en-US" dirty="0">
+                <a:effectLst/>
+              </a:rPr>
+              <a:t>http:://0.0.0.0:3123/users</a:t>
+            </a:r>
+          </a:p>
+          <a:p>
+            <a:pPr lvl="2"/>
+            <a:r>
+              <a:rPr lang="en-US" dirty="0">
+                <a:effectLst/>
+              </a:rPr>
+              <a:t>Manipulation of resource through representations</a:t>
+            </a:r>
+          </a:p>
+          <a:p>
+            <a:pPr lvl="3"/>
+            <a:r>
+              <a:rPr lang="en-US" dirty="0">
+                <a:effectLst/>
+              </a:rPr>
+              <a:t>JSON, XML, </a:t>
+            </a:r>
+            <a:r>
+              <a:rPr lang="en-US" dirty="0" err="1">
+                <a:effectLst/>
+              </a:rPr>
+              <a:t>etc</a:t>
+            </a:r>
+            <a:endParaRPr lang="en-US" dirty="0">
+              <a:effectLst/>
+            </a:endParaRPr>
+          </a:p>
+          <a:p>
+            <a:pPr lvl="2"/>
+            <a:r>
+              <a:rPr lang="en-US" dirty="0">
+                <a:effectLst/>
+              </a:rPr>
+              <a:t>Self-descriptive message</a:t>
+            </a:r>
+          </a:p>
+          <a:p>
+            <a:pPr lvl="3"/>
+            <a:r>
+              <a:rPr lang="en-US" dirty="0">
+                <a:effectLst/>
+              </a:rPr>
+              <a:t>Has everything you need</a:t>
+            </a:r>
+          </a:p>
+          <a:p>
+            <a:pPr lvl="2"/>
+            <a:r>
+              <a:rPr lang="en-US" dirty="0">
+                <a:effectLst/>
+              </a:rPr>
+              <a:t>Hypermedia as the engine of state</a:t>
+            </a:r>
+          </a:p>
+          <a:p>
+            <a:pPr lvl="3"/>
+            <a:r>
+              <a:rPr lang="en-US" dirty="0">
+                <a:effectLst/>
+              </a:rPr>
+              <a:t>HTTP tell you what’s going on</a:t>
+            </a:r>
+          </a:p>
+        </p:txBody>
+      </p:sp>
+      <p:sp>
+        <p:nvSpPr>
+          <p:cNvPr id="3" name="Title 2"/>
+          <p:cNvSpPr>
+            <a:spLocks noGrp="1"/>
+          </p:cNvSpPr>
+          <p:nvPr>
+            <p:ph type="title"/>
+          </p:nvPr>
+        </p:nvSpPr>
+        <p:spPr/>
+        <p:txBody>
+          <a:bodyPr/>
+          <a:lstStyle/>
+          <a:p>
+            <a:r>
+              <a:rPr lang="en-US" dirty="0"/>
+              <a:t>Uniformed Interface</a:t>
+            </a:r>
+          </a:p>
+        </p:txBody>
+      </p:sp>
+    </p:spTree>
+    <p:extLst>
+      <p:ext uri="{BB962C8B-B14F-4D97-AF65-F5344CB8AC3E}">
+        <p14:creationId xmlns:p14="http://schemas.microsoft.com/office/powerpoint/2010/main" val="2537138801"/>
+      </p:ext>
+    </p:extLst>
+  </p:cSld>
+  <p:clrMapOvr>
+    <a:masterClrMapping/>
+  </p:clrMapOvr>
+</p:sld>
+</file>
+
+<file path=ppt/slides/slide5.xml><?xml version="1.0" encoding="utf-8"?>
+<p:sld xmlns:a="http://schemas.openxmlformats.org/drawingml/2006/main" xmlns:r="http://schemas.openxmlformats.org/officeDocument/2006/relationships" xmlns:p="http://schemas.openxmlformats.org/presentationml/2006/main">
+  <p:cSld>
+    <p:spTree>
+      <p:nvGrpSpPr>
+        <p:cNvPr id="1" name=""/>
+        <p:cNvGrpSpPr/>
+        <p:nvPr/>
+      </p:nvGrpSpPr>
+      <p:grpSpPr>
+        <a:xfrm>
+          <a:off x="0" y="0"/>
+          <a:ext cx="0" cy="0"/>
+          <a:chOff x="0" y="0"/>
+          <a:chExt cx="0" cy="0"/>
+        </a:xfrm>
+      </p:grpSpPr>
+      <p:sp>
+        <p:nvSpPr>
+          <p:cNvPr id="2" name="Content Placeholder 1"/>
+          <p:cNvSpPr>
+            <a:spLocks noGrp="1"/>
+          </p:cNvSpPr>
+          <p:nvPr>
+            <p:ph idx="1"/>
+          </p:nvPr>
+        </p:nvSpPr>
+        <p:spPr>
+          <a:xfrm>
+            <a:off x="1417320" y="685801"/>
+            <a:ext cx="7349490" cy="3657599"/>
+          </a:xfrm>
+        </p:spPr>
+        <p:txBody>
+          <a:bodyPr/>
+          <a:lstStyle/>
+          <a:p>
+            <a:pPr lvl="1"/>
+            <a:r>
+              <a:rPr lang="en-US" dirty="0">
+                <a:effectLst/>
+              </a:rPr>
+              <a:t>Hypermedia as the Engine of Application State</a:t>
+            </a:r>
+          </a:p>
+          <a:p>
+            <a:pPr lvl="1"/>
+            <a:r>
+              <a:rPr lang="en-US" dirty="0">
+                <a:effectLst/>
+              </a:rPr>
+              <a:t>Wikipedia: 'A REST client needs little to no prior knowledge about how to interact with an application or server beyond a generic understanding of hypermedia.'</a:t>
+            </a:r>
+          </a:p>
+          <a:p>
+            <a:pPr lvl="1"/>
+            <a:endParaRPr lang="en-US" dirty="0">
+              <a:effectLst/>
+            </a:endParaRPr>
+          </a:p>
+        </p:txBody>
+      </p:sp>
+      <p:sp>
+        <p:nvSpPr>
+          <p:cNvPr id="3" name="Title 2"/>
+          <p:cNvSpPr>
+            <a:spLocks noGrp="1"/>
+          </p:cNvSpPr>
+          <p:nvPr>
+            <p:ph type="title"/>
+          </p:nvPr>
+        </p:nvSpPr>
+        <p:spPr/>
+        <p:txBody>
+          <a:bodyPr/>
+          <a:lstStyle/>
+          <a:p>
+            <a:r>
+              <a:rPr lang="en-US" dirty="0"/>
+              <a:t>HATEOS</a:t>
+            </a:r>
+          </a:p>
+        </p:txBody>
+      </p:sp>
+    </p:spTree>
+    <p:extLst>
+      <p:ext uri="{BB962C8B-B14F-4D97-AF65-F5344CB8AC3E}">
+        <p14:creationId xmlns:p14="http://schemas.microsoft.com/office/powerpoint/2010/main" val="3428667132"/>
+      </p:ext>
+    </p:extLst>
+  </p:cSld>
+  <p:clrMapOvr>
+    <a:masterClrMapping/>
+  </p:clrMapOvr>
+</p:sld>
+</file>
+
+<file path=ppt/slides/slide6.xml><?xml version="1.0" encoding="utf-8"?>
+<p:sld xmlns:a="http://schemas.openxmlformats.org/drawingml/2006/main" xmlns:r="http://schemas.openxmlformats.org/officeDocument/2006/relationships" xmlns:p="http://schemas.openxmlformats.org/presentationml/2006/main">
+  <p:cSld>
+    <p:spTree>
+      <p:nvGrpSpPr>
+        <p:cNvPr id="1" name=""/>
+        <p:cNvGrpSpPr/>
+        <p:nvPr/>
+      </p:nvGrpSpPr>
+      <p:grpSpPr>
+        <a:xfrm>
+          <a:off x="0" y="0"/>
+          <a:ext cx="0" cy="0"/>
+          <a:chOff x="0" y="0"/>
+          <a:chExt cx="0" cy="0"/>
+        </a:xfrm>
+      </p:grpSpPr>
+      <p:sp>
+        <p:nvSpPr>
+          <p:cNvPr id="2" name="Content Placeholder 1"/>
+          <p:cNvSpPr>
+            <a:spLocks noGrp="1"/>
+          </p:cNvSpPr>
+          <p:nvPr>
+            <p:ph idx="1"/>
+          </p:nvPr>
+        </p:nvSpPr>
+        <p:spPr>
+          <a:xfrm>
+            <a:off x="1417320" y="685801"/>
+            <a:ext cx="7349490" cy="3657599"/>
+          </a:xfrm>
+        </p:spPr>
+        <p:txBody>
+          <a:bodyPr/>
+          <a:lstStyle/>
+          <a:p>
+            <a:pPr lvl="1"/>
+            <a:endParaRPr lang="en-US" dirty="0">
+              <a:effectLst/>
+            </a:endParaRPr>
+          </a:p>
+        </p:txBody>
+      </p:sp>
+      <p:sp>
+        <p:nvSpPr>
+          <p:cNvPr id="3" name="Title 2"/>
+          <p:cNvSpPr>
+            <a:spLocks noGrp="1"/>
+          </p:cNvSpPr>
+          <p:nvPr>
+            <p:ph type="title"/>
+          </p:nvPr>
+        </p:nvSpPr>
+        <p:spPr/>
+        <p:txBody>
+          <a:bodyPr/>
+          <a:lstStyle/>
+          <a:p>
+            <a:r>
+              <a:rPr lang="en-US" dirty="0"/>
+              <a:t>HATEOS</a:t>
+            </a:r>
+          </a:p>
+        </p:txBody>
+      </p:sp>
+      <p:sp>
+        <p:nvSpPr>
+          <p:cNvPr id="4" name="Content Placeholder 1">
+            <a:extLst>
+              <a:ext uri="{FF2B5EF4-FFF2-40B4-BE49-F238E27FC236}">
+                <a16:creationId xmlns:a16="http://schemas.microsoft.com/office/drawing/2014/main" id="{27C961E5-59CB-B548-8242-D4EFD21A0E7B}"/>
+              </a:ext>
+            </a:extLst>
+          </p:cNvPr>
+          <p:cNvSpPr txBox="1">
+            <a:spLocks/>
+          </p:cNvSpPr>
+          <p:nvPr/>
+        </p:nvSpPr>
+        <p:spPr>
+          <a:xfrm>
+            <a:off x="-114300" y="1280160"/>
+            <a:ext cx="4137660" cy="2880360"/>
+          </a:xfrm>
+          <a:prstGeom prst="rect">
+            <a:avLst/>
+          </a:prstGeom>
+        </p:spPr>
+        <p:txBody>
+          <a:bodyPr vert="horz" lIns="91440" tIns="45720" rIns="91440" bIns="45720" rtlCol="0" anchor="ctr">
+            <a:normAutofit fontScale="85000" lnSpcReduction="10000"/>
+          </a:bodyPr>
+          <a:lstStyle>
+            <a:lvl1pPr marL="274320" indent="-256032" algn="l" defTabSz="914400" rtl="0" eaLnBrk="1" latinLnBrk="0" hangingPunct="1">
+              <a:spcBef>
+                <a:spcPct val="20000"/>
+              </a:spcBef>
+              <a:spcAft>
+                <a:spcPts val="0"/>
+              </a:spcAft>
+              <a:buSzPct val="60000"/>
+              <a:buFont typeface="Wingdings" pitchFamily="2" charset="2"/>
+              <a:buChar char=""/>
+              <a:defRPr sz="2100" kern="1200">
+                <a:solidFill>
+                  <a:schemeClr val="tx1"/>
+                </a:solidFill>
+                <a:effectLst>
+                  <a:outerShdw blurRad="38100" dist="38100" dir="2700000" algn="tl">
+                    <a:srgbClr val="000000">
+                      <a:alpha val="43137"/>
+                    </a:srgbClr>
+                  </a:outerShdw>
+                </a:effectLst>
+                <a:latin typeface="+mn-lt"/>
+                <a:ea typeface="+mn-ea"/>
+                <a:cs typeface="+mn-cs"/>
+              </a:defRPr>
+            </a:lvl1pPr>
+            <a:lvl2pPr marL="640080" indent="-256032" algn="l" defTabSz="914400" rtl="0" eaLnBrk="1" latinLnBrk="0" hangingPunct="1">
+              <a:spcBef>
+                <a:spcPct val="20000"/>
+              </a:spcBef>
+              <a:buSzPct val="60000"/>
+              <a:buFont typeface="Wingdings" pitchFamily="2" charset="2"/>
+              <a:buChar char=""/>
+              <a:defRPr sz="1900" kern="1200">
+                <a:solidFill>
+                  <a:schemeClr val="tx1"/>
+                </a:solidFill>
+                <a:effectLst>
+                  <a:outerShdw blurRad="38100" dist="38100" dir="2700000" algn="tl">
+                    <a:srgbClr val="000000">
+                      <a:alpha val="43137"/>
+                    </a:srgbClr>
+                  </a:outerShdw>
+                </a:effectLst>
+                <a:latin typeface="+mn-lt"/>
+                <a:ea typeface="+mn-ea"/>
+                <a:cs typeface="+mn-cs"/>
+              </a:defRPr>
+            </a:lvl2pPr>
+            <a:lvl3pPr marL="1005840" indent="-256032" algn="l" defTabSz="914400" rtl="0" eaLnBrk="1" latinLnBrk="0" hangingPunct="1">
+              <a:spcBef>
+                <a:spcPct val="20000"/>
+              </a:spcBef>
+              <a:buSzPct val="60000"/>
+              <a:buFont typeface="Wingdings" pitchFamily="2" charset="2"/>
+              <a:buChar char=""/>
+              <a:defRPr sz="1700" kern="1200">
+                <a:solidFill>
+                  <a:schemeClr val="tx1"/>
+                </a:solidFill>
+                <a:effectLst>
+                  <a:outerShdw blurRad="38100" dist="38100" dir="2700000" algn="tl">
+                    <a:srgbClr val="000000">
+                      <a:alpha val="43137"/>
+                    </a:srgbClr>
+                  </a:outerShdw>
+                </a:effectLst>
+                <a:latin typeface="+mn-lt"/>
+                <a:ea typeface="+mn-ea"/>
+                <a:cs typeface="+mn-cs"/>
+              </a:defRPr>
+            </a:lvl3pPr>
+            <a:lvl4pPr marL="1371600" indent="-256032" algn="l" defTabSz="914400" rtl="0" eaLnBrk="1" latinLnBrk="0" hangingPunct="1">
+              <a:spcBef>
+                <a:spcPct val="20000"/>
+              </a:spcBef>
+              <a:buSzPct val="60000"/>
+              <a:buFont typeface="Wingdings" pitchFamily="2" charset="2"/>
+              <a:buChar char=""/>
+              <a:defRPr sz="1600" kern="1200">
+                <a:solidFill>
+                  <a:schemeClr val="tx1"/>
+                </a:solidFill>
+                <a:effectLst>
+                  <a:outerShdw blurRad="38100" dist="38100" dir="2700000" algn="tl">
+                    <a:srgbClr val="000000">
+                      <a:alpha val="43137"/>
+                    </a:srgbClr>
+                  </a:outerShdw>
+                </a:effectLst>
+                <a:latin typeface="+mn-lt"/>
+                <a:ea typeface="+mn-ea"/>
+                <a:cs typeface="+mn-cs"/>
+              </a:defRPr>
+            </a:lvl4pPr>
+            <a:lvl5pPr marL="1645920" indent="-256032" algn="l" defTabSz="914400" rtl="0" eaLnBrk="1" latinLnBrk="0" hangingPunct="1">
+              <a:spcBef>
+                <a:spcPct val="20000"/>
+              </a:spcBef>
+              <a:buSzPct val="60000"/>
+              <a:buFont typeface="Wingdings" pitchFamily="2" charset="2"/>
+              <a:buChar char=""/>
+              <a:defRPr sz="1500" kern="1200">
+                <a:solidFill>
+                  <a:schemeClr val="tx1"/>
+                </a:solidFill>
+                <a:effectLst>
+                  <a:outerShdw blurRad="38100" dist="38100" dir="2700000" algn="tl">
+                    <a:srgbClr val="000000">
+                      <a:alpha val="43137"/>
+                    </a:srgbClr>
+                  </a:outerShdw>
+                </a:effectLst>
+                <a:latin typeface="+mn-lt"/>
+                <a:ea typeface="+mn-ea"/>
+                <a:cs typeface="+mn-cs"/>
+              </a:defRPr>
+            </a:lvl5pPr>
+            <a:lvl6pPr marL="1965960" indent="-256032" algn="l" defTabSz="914400" rtl="0" eaLnBrk="1" latinLnBrk="0" hangingPunct="1">
+              <a:spcBef>
+                <a:spcPct val="20000"/>
+              </a:spcBef>
+              <a:buSzPct val="60000"/>
+              <a:buFont typeface="Wingdings" pitchFamily="2" charset="2"/>
+              <a:buChar char=""/>
+              <a:defRPr sz="1400" kern="1200">
+                <a:solidFill>
+                  <a:schemeClr val="tx1"/>
+                </a:solidFill>
+                <a:effectLst>
+                  <a:outerShdw blurRad="38100" dist="38100" dir="2700000" algn="ctr" rotWithShape="0">
+                    <a:srgbClr val="000000">
+                      <a:alpha val="43000"/>
+                    </a:srgbClr>
+                  </a:outerShdw>
+                </a:effectLst>
+                <a:latin typeface="+mn-lt"/>
+                <a:ea typeface="+mn-ea"/>
+                <a:cs typeface="+mn-cs"/>
+              </a:defRPr>
+            </a:lvl6pPr>
+            <a:lvl7pPr marL="2240280" indent="-256032" algn="l" defTabSz="914400" rtl="0" eaLnBrk="1" latinLnBrk="0" hangingPunct="1">
+              <a:spcBef>
+                <a:spcPct val="20000"/>
+              </a:spcBef>
+              <a:buSzPct val="60000"/>
+              <a:buFont typeface="Wingdings" pitchFamily="2" charset="2"/>
+              <a:buChar char=""/>
+              <a:defRPr sz="1400" kern="1200">
+                <a:solidFill>
+                  <a:schemeClr val="tx1"/>
+                </a:solidFill>
+                <a:effectLst>
+                  <a:outerShdw blurRad="38100" dist="38100" dir="2700000" algn="ctr" rotWithShape="0">
+                    <a:srgbClr val="000000">
+                      <a:alpha val="43000"/>
+                    </a:srgbClr>
+                  </a:outerShdw>
+                </a:effectLst>
+                <a:latin typeface="+mn-lt"/>
+                <a:ea typeface="+mn-ea"/>
+                <a:cs typeface="+mn-cs"/>
+              </a:defRPr>
+            </a:lvl7pPr>
+            <a:lvl8pPr marL="2514600" indent="-256032" algn="l" defTabSz="914400" rtl="0" eaLnBrk="1" latinLnBrk="0" hangingPunct="1">
+              <a:spcBef>
+                <a:spcPct val="20000"/>
+              </a:spcBef>
+              <a:buSzPct val="60000"/>
+              <a:buFont typeface="Wingdings" pitchFamily="2" charset="2"/>
+              <a:buChar char=""/>
+              <a:defRPr sz="1400" kern="1200">
+                <a:solidFill>
+                  <a:schemeClr val="tx1"/>
+                </a:solidFill>
+                <a:effectLst>
+                  <a:outerShdw blurRad="38100" dist="38100" dir="2700000" algn="ctr" rotWithShape="0">
+                    <a:srgbClr val="000000">
+                      <a:alpha val="43000"/>
+                    </a:srgbClr>
+                  </a:outerShdw>
+                </a:effectLst>
+                <a:latin typeface="+mn-lt"/>
+                <a:ea typeface="+mn-ea"/>
+                <a:cs typeface="+mn-cs"/>
+              </a:defRPr>
+            </a:lvl8pPr>
+            <a:lvl9pPr marL="2834640" indent="-256032" algn="l" defTabSz="914400" rtl="0" eaLnBrk="1" latinLnBrk="0" hangingPunct="1">
+              <a:spcBef>
+                <a:spcPct val="20000"/>
+              </a:spcBef>
+              <a:buSzPct val="60000"/>
+              <a:buFont typeface="Wingdings" pitchFamily="2" charset="2"/>
+              <a:buChar char=""/>
+              <a:defRPr sz="1400" kern="1200">
+                <a:solidFill>
+                  <a:schemeClr val="tx1"/>
+                </a:solidFill>
+                <a:effectLst>
+                  <a:outerShdw blurRad="38100" dist="38100" dir="2700000" algn="ctr" rotWithShape="0">
+                    <a:srgbClr val="000000">
+                      <a:alpha val="43000"/>
+                    </a:srgbClr>
+                  </a:outerShdw>
+                </a:effectLst>
+                <a:latin typeface="+mn-lt"/>
+                <a:ea typeface="+mn-ea"/>
+                <a:cs typeface="+mn-cs"/>
+              </a:defRPr>
+            </a:lvl9pPr>
+          </a:lstStyle>
+          <a:p>
+            <a:pPr marL="384048" lvl="1" indent="0">
+              <a:buNone/>
+            </a:pPr>
+            <a:r>
+              <a:rPr lang="en-US" dirty="0">
+                <a:effectLst/>
+              </a:rPr>
+              <a:t>{</a:t>
+            </a:r>
+          </a:p>
+          <a:p>
+            <a:pPr marL="384048" lvl="1" indent="0">
+              <a:buNone/>
+            </a:pPr>
+            <a:r>
+              <a:rPr lang="en-US" dirty="0">
+                <a:effectLst/>
+              </a:rPr>
+              <a:t>    "</a:t>
+            </a:r>
+            <a:r>
+              <a:rPr lang="en-US" dirty="0" err="1">
+                <a:effectLst/>
+              </a:rPr>
+              <a:t>uuid</a:t>
+            </a:r>
+            <a:r>
+              <a:rPr lang="en-US" dirty="0">
+                <a:effectLst/>
+              </a:rPr>
+              <a:t>": "8894aff2",</a:t>
+            </a:r>
+          </a:p>
+          <a:p>
+            <a:pPr marL="384048" lvl="1" indent="0">
+              <a:buNone/>
+            </a:pPr>
+            <a:r>
+              <a:rPr lang="en-US" dirty="0">
+                <a:effectLst/>
+              </a:rPr>
+              <a:t>    "name": “Erik”,</a:t>
+            </a:r>
+          </a:p>
+          <a:p>
+            <a:pPr marL="384048" lvl="1" indent="0">
+              <a:buNone/>
+            </a:pPr>
+            <a:r>
+              <a:rPr lang="en-US" dirty="0">
+                <a:effectLst/>
+              </a:rPr>
+              <a:t>    "password": “password”,</a:t>
+            </a:r>
+          </a:p>
+          <a:p>
+            <a:pPr marL="384048" lvl="1" indent="0">
+              <a:buNone/>
+            </a:pPr>
+            <a:r>
+              <a:rPr lang="en-US" dirty="0">
+                <a:effectLst/>
+              </a:rPr>
+              <a:t>    "active": 1,</a:t>
+            </a:r>
+          </a:p>
+          <a:p>
+            <a:pPr marL="384048" lvl="1" indent="0">
+              <a:buNone/>
+            </a:pPr>
+            <a:r>
+              <a:rPr lang="en-US" dirty="0">
+                <a:effectLst/>
+              </a:rPr>
+              <a:t>    "id": 1,</a:t>
+            </a:r>
+          </a:p>
+          <a:p>
+            <a:pPr marL="384048" lvl="1" indent="0">
+              <a:buNone/>
+            </a:pPr>
+            <a:r>
+              <a:rPr lang="en-US" dirty="0">
+                <a:effectLst/>
+              </a:rPr>
+              <a:t>    "email": "</a:t>
+            </a:r>
+            <a:r>
+              <a:rPr lang="en-US" dirty="0" err="1">
+                <a:effectLst/>
+              </a:rPr>
+              <a:t>tank@jundy.com</a:t>
+            </a:r>
+            <a:r>
+              <a:rPr lang="en-US" dirty="0">
+                <a:effectLst/>
+              </a:rPr>
+              <a:t>",</a:t>
+            </a:r>
+          </a:p>
+          <a:p>
+            <a:pPr marL="384048" lvl="1" indent="0">
+              <a:buNone/>
+            </a:pPr>
+            <a:r>
+              <a:rPr lang="en-US" dirty="0">
+                <a:effectLst/>
+              </a:rPr>
+              <a:t>    "username": "</a:t>
+            </a:r>
+            <a:r>
+              <a:rPr lang="en-US" dirty="0" err="1">
+                <a:effectLst/>
+              </a:rPr>
+              <a:t>erik</a:t>
+            </a:r>
+            <a:r>
+              <a:rPr lang="en-US" dirty="0">
+                <a:effectLst/>
+              </a:rPr>
+              <a:t>",</a:t>
+            </a:r>
+          </a:p>
+          <a:p>
+            <a:pPr marL="384048" lvl="1" indent="0">
+              <a:buNone/>
+            </a:pPr>
+            <a:r>
+              <a:rPr lang="en-US" dirty="0">
+                <a:effectLst/>
+              </a:rPr>
+              <a:t>    "created": "2018-06-14T12:50:36Z"</a:t>
+            </a:r>
+          </a:p>
+          <a:p>
+            <a:pPr marL="384048" lvl="1" indent="0">
+              <a:buNone/>
+            </a:pPr>
+            <a:r>
+              <a:rPr lang="en-US" dirty="0">
+                <a:effectLst/>
+              </a:rPr>
+              <a:t>}</a:t>
+            </a:r>
+          </a:p>
+        </p:txBody>
+      </p:sp>
+      <p:sp>
+        <p:nvSpPr>
+          <p:cNvPr id="5" name="Content Placeholder 1">
+            <a:extLst>
+              <a:ext uri="{FF2B5EF4-FFF2-40B4-BE49-F238E27FC236}">
+                <a16:creationId xmlns:a16="http://schemas.microsoft.com/office/drawing/2014/main" id="{8C783AD8-86F1-4F43-B932-83D4039E79C8}"/>
+              </a:ext>
+            </a:extLst>
+          </p:cNvPr>
+          <p:cNvSpPr txBox="1">
+            <a:spLocks/>
+          </p:cNvSpPr>
+          <p:nvPr/>
+        </p:nvSpPr>
+        <p:spPr>
+          <a:xfrm>
+            <a:off x="4400550" y="1"/>
+            <a:ext cx="4743450" cy="6857999"/>
+          </a:xfrm>
+          <a:prstGeom prst="rect">
+            <a:avLst/>
+          </a:prstGeom>
+        </p:spPr>
+        <p:txBody>
+          <a:bodyPr vert="horz" lIns="91440" tIns="45720" rIns="91440" bIns="45720" rtlCol="0" anchor="ctr">
+            <a:normAutofit fontScale="85000" lnSpcReduction="20000"/>
+          </a:bodyPr>
+          <a:lstStyle>
+            <a:lvl1pPr marL="274320" indent="-256032" algn="l" defTabSz="914400" rtl="0" eaLnBrk="1" latinLnBrk="0" hangingPunct="1">
+              <a:spcBef>
+                <a:spcPct val="20000"/>
+              </a:spcBef>
+              <a:spcAft>
+                <a:spcPts val="0"/>
+              </a:spcAft>
+              <a:buSzPct val="60000"/>
+              <a:buFont typeface="Wingdings" pitchFamily="2" charset="2"/>
+              <a:buChar char=""/>
+              <a:defRPr sz="2100" kern="1200">
+                <a:solidFill>
+                  <a:schemeClr val="tx1"/>
+                </a:solidFill>
+                <a:effectLst>
+                  <a:outerShdw blurRad="38100" dist="38100" dir="2700000" algn="tl">
+                    <a:srgbClr val="000000">
+                      <a:alpha val="43137"/>
+                    </a:srgbClr>
+                  </a:outerShdw>
+                </a:effectLst>
+                <a:latin typeface="+mn-lt"/>
+                <a:ea typeface="+mn-ea"/>
+                <a:cs typeface="+mn-cs"/>
+              </a:defRPr>
+            </a:lvl1pPr>
+            <a:lvl2pPr marL="640080" indent="-256032" algn="l" defTabSz="914400" rtl="0" eaLnBrk="1" latinLnBrk="0" hangingPunct="1">
+              <a:spcBef>
+                <a:spcPct val="20000"/>
+              </a:spcBef>
+              <a:buSzPct val="60000"/>
+              <a:buFont typeface="Wingdings" pitchFamily="2" charset="2"/>
+              <a:buChar char=""/>
+              <a:defRPr sz="1900" kern="1200">
+                <a:solidFill>
+                  <a:schemeClr val="tx1"/>
+                </a:solidFill>
+                <a:effectLst>
+                  <a:outerShdw blurRad="38100" dist="38100" dir="2700000" algn="tl">
+                    <a:srgbClr val="000000">
+                      <a:alpha val="43137"/>
+                    </a:srgbClr>
+                  </a:outerShdw>
+                </a:effectLst>
+                <a:latin typeface="+mn-lt"/>
+                <a:ea typeface="+mn-ea"/>
+                <a:cs typeface="+mn-cs"/>
+              </a:defRPr>
+            </a:lvl2pPr>
+            <a:lvl3pPr marL="1005840" indent="-256032" algn="l" defTabSz="914400" rtl="0" eaLnBrk="1" latinLnBrk="0" hangingPunct="1">
+              <a:spcBef>
+                <a:spcPct val="20000"/>
+              </a:spcBef>
+              <a:buSzPct val="60000"/>
+              <a:buFont typeface="Wingdings" pitchFamily="2" charset="2"/>
+              <a:buChar char=""/>
+              <a:defRPr sz="1700" kern="1200">
+                <a:solidFill>
+                  <a:schemeClr val="tx1"/>
+                </a:solidFill>
+                <a:effectLst>
+                  <a:outerShdw blurRad="38100" dist="38100" dir="2700000" algn="tl">
+                    <a:srgbClr val="000000">
+                      <a:alpha val="43137"/>
+                    </a:srgbClr>
+                  </a:outerShdw>
+                </a:effectLst>
+                <a:latin typeface="+mn-lt"/>
+                <a:ea typeface="+mn-ea"/>
+                <a:cs typeface="+mn-cs"/>
+              </a:defRPr>
+            </a:lvl3pPr>
+            <a:lvl4pPr marL="1371600" indent="-256032" algn="l" defTabSz="914400" rtl="0" eaLnBrk="1" latinLnBrk="0" hangingPunct="1">
+              <a:spcBef>
+                <a:spcPct val="20000"/>
+              </a:spcBef>
+              <a:buSzPct val="60000"/>
+              <a:buFont typeface="Wingdings" pitchFamily="2" charset="2"/>
+              <a:buChar char=""/>
+              <a:defRPr sz="1600" kern="1200">
+                <a:solidFill>
+                  <a:schemeClr val="tx1"/>
+                </a:solidFill>
+                <a:effectLst>
+                  <a:outerShdw blurRad="38100" dist="38100" dir="2700000" algn="tl">
+                    <a:srgbClr val="000000">
+                      <a:alpha val="43137"/>
+                    </a:srgbClr>
+                  </a:outerShdw>
+                </a:effectLst>
+                <a:latin typeface="+mn-lt"/>
+                <a:ea typeface="+mn-ea"/>
+                <a:cs typeface="+mn-cs"/>
+              </a:defRPr>
+            </a:lvl4pPr>
+            <a:lvl5pPr marL="1645920" indent="-256032" algn="l" defTabSz="914400" rtl="0" eaLnBrk="1" latinLnBrk="0" hangingPunct="1">
+              <a:spcBef>
+                <a:spcPct val="20000"/>
+              </a:spcBef>
+              <a:buSzPct val="60000"/>
+              <a:buFont typeface="Wingdings" pitchFamily="2" charset="2"/>
+              <a:buChar char=""/>
+              <a:defRPr sz="1500" kern="1200">
+                <a:solidFill>
+                  <a:schemeClr val="tx1"/>
+                </a:solidFill>
+                <a:effectLst>
+                  <a:outerShdw blurRad="38100" dist="38100" dir="2700000" algn="tl">
+                    <a:srgbClr val="000000">
+                      <a:alpha val="43137"/>
+                    </a:srgbClr>
+                  </a:outerShdw>
+                </a:effectLst>
+                <a:latin typeface="+mn-lt"/>
+                <a:ea typeface="+mn-ea"/>
+                <a:cs typeface="+mn-cs"/>
+              </a:defRPr>
+            </a:lvl5pPr>
+            <a:lvl6pPr marL="1965960" indent="-256032" algn="l" defTabSz="914400" rtl="0" eaLnBrk="1" latinLnBrk="0" hangingPunct="1">
+              <a:spcBef>
+                <a:spcPct val="20000"/>
+              </a:spcBef>
+              <a:buSzPct val="60000"/>
+              <a:buFont typeface="Wingdings" pitchFamily="2" charset="2"/>
+              <a:buChar char=""/>
+              <a:defRPr sz="1400" kern="1200">
+                <a:solidFill>
+                  <a:schemeClr val="tx1"/>
+                </a:solidFill>
+                <a:effectLst>
+                  <a:outerShdw blurRad="38100" dist="38100" dir="2700000" algn="ctr" rotWithShape="0">
+                    <a:srgbClr val="000000">
+                      <a:alpha val="43000"/>
+                    </a:srgbClr>
+                  </a:outerShdw>
+                </a:effectLst>
+                <a:latin typeface="+mn-lt"/>
+                <a:ea typeface="+mn-ea"/>
+                <a:cs typeface="+mn-cs"/>
+              </a:defRPr>
+            </a:lvl6pPr>
+            <a:lvl7pPr marL="2240280" indent="-256032" algn="l" defTabSz="914400" rtl="0" eaLnBrk="1" latinLnBrk="0" hangingPunct="1">
+              <a:spcBef>
+                <a:spcPct val="20000"/>
+              </a:spcBef>
+              <a:buSzPct val="60000"/>
+              <a:buFont typeface="Wingdings" pitchFamily="2" charset="2"/>
+              <a:buChar char=""/>
+              <a:defRPr sz="1400" kern="1200">
+                <a:solidFill>
+                  <a:schemeClr val="tx1"/>
+                </a:solidFill>
+                <a:effectLst>
+                  <a:outerShdw blurRad="38100" dist="38100" dir="2700000" algn="ctr" rotWithShape="0">
+                    <a:srgbClr val="000000">
+                      <a:alpha val="43000"/>
+                    </a:srgbClr>
+                  </a:outerShdw>
+                </a:effectLst>
+                <a:latin typeface="+mn-lt"/>
+                <a:ea typeface="+mn-ea"/>
+                <a:cs typeface="+mn-cs"/>
+              </a:defRPr>
+            </a:lvl7pPr>
+            <a:lvl8pPr marL="2514600" indent="-256032" algn="l" defTabSz="914400" rtl="0" eaLnBrk="1" latinLnBrk="0" hangingPunct="1">
+              <a:spcBef>
+                <a:spcPct val="20000"/>
+              </a:spcBef>
+              <a:buSzPct val="60000"/>
+              <a:buFont typeface="Wingdings" pitchFamily="2" charset="2"/>
+              <a:buChar char=""/>
+              <a:defRPr sz="1400" kern="1200">
+                <a:solidFill>
+                  <a:schemeClr val="tx1"/>
+                </a:solidFill>
+                <a:effectLst>
+                  <a:outerShdw blurRad="38100" dist="38100" dir="2700000" algn="ctr" rotWithShape="0">
+                    <a:srgbClr val="000000">
+                      <a:alpha val="43000"/>
+                    </a:srgbClr>
+                  </a:outerShdw>
+                </a:effectLst>
+                <a:latin typeface="+mn-lt"/>
+                <a:ea typeface="+mn-ea"/>
+                <a:cs typeface="+mn-cs"/>
+              </a:defRPr>
+            </a:lvl8pPr>
+            <a:lvl9pPr marL="2834640" indent="-256032" algn="l" defTabSz="914400" rtl="0" eaLnBrk="1" latinLnBrk="0" hangingPunct="1">
+              <a:spcBef>
+                <a:spcPct val="20000"/>
+              </a:spcBef>
+              <a:buSzPct val="60000"/>
+              <a:buFont typeface="Wingdings" pitchFamily="2" charset="2"/>
+              <a:buChar char=""/>
+              <a:defRPr sz="1400" kern="1200">
+                <a:solidFill>
+                  <a:schemeClr val="tx1"/>
+                </a:solidFill>
+                <a:effectLst>
+                  <a:outerShdw blurRad="38100" dist="38100" dir="2700000" algn="ctr" rotWithShape="0">
+                    <a:srgbClr val="000000">
+                      <a:alpha val="43000"/>
+                    </a:srgbClr>
+                  </a:outerShdw>
+                </a:effectLst>
+                <a:latin typeface="+mn-lt"/>
+                <a:ea typeface="+mn-ea"/>
+                <a:cs typeface="+mn-cs"/>
+              </a:defRPr>
+            </a:lvl9pPr>
+          </a:lstStyle>
+          <a:p>
+            <a:pPr marL="384048" lvl="1" indent="0">
+              <a:buNone/>
+            </a:pPr>
+            <a:r>
+              <a:rPr lang="en-US" dirty="0">
+                <a:effectLst/>
+              </a:rPr>
+              <a:t>{</a:t>
+            </a:r>
+          </a:p>
+          <a:p>
+            <a:pPr marL="384048" lvl="1" indent="0">
+              <a:buNone/>
+            </a:pPr>
+            <a:r>
+              <a:rPr lang="en-US" dirty="0">
+                <a:effectLst/>
+              </a:rPr>
+              <a:t>    "attributes": [</a:t>
+            </a:r>
+          </a:p>
+          <a:p>
+            <a:pPr marL="384048" lvl="1" indent="0">
+              <a:buNone/>
+            </a:pPr>
+            <a:r>
+              <a:rPr lang="en-US" dirty="0">
+                <a:effectLst/>
+              </a:rPr>
+              <a:t>        {</a:t>
+            </a:r>
+          </a:p>
+          <a:p>
+            <a:pPr marL="384048" lvl="1" indent="0">
+              <a:buNone/>
+            </a:pPr>
+            <a:r>
+              <a:rPr lang="en-US" dirty="0">
+                <a:effectLst/>
+              </a:rPr>
+              <a:t>            "name": "name",</a:t>
+            </a:r>
+          </a:p>
+          <a:p>
+            <a:pPr marL="384048" lvl="1" indent="0">
+              <a:buNone/>
+            </a:pPr>
+            <a:r>
+              <a:rPr lang="en-US" dirty="0">
+                <a:effectLst/>
+              </a:rPr>
+              <a:t>            "description": "User's name",</a:t>
+            </a:r>
+          </a:p>
+          <a:p>
+            <a:pPr marL="384048" lvl="1" indent="0">
+              <a:buNone/>
+            </a:pPr>
+            <a:r>
+              <a:rPr lang="en-US" dirty="0">
+                <a:effectLst/>
+              </a:rPr>
+              <a:t>            "label": "User Name",</a:t>
+            </a:r>
+          </a:p>
+          <a:p>
+            <a:pPr marL="384048" lvl="1" indent="0">
+              <a:buNone/>
+            </a:pPr>
+            <a:r>
+              <a:rPr lang="en-US" dirty="0">
+                <a:effectLst/>
+              </a:rPr>
+              <a:t>            "type": "string",</a:t>
+            </a:r>
+          </a:p>
+          <a:p>
+            <a:pPr marL="384048" lvl="1" indent="0">
+              <a:buNone/>
+            </a:pPr>
+            <a:r>
+              <a:rPr lang="en-US" dirty="0">
+                <a:effectLst/>
+              </a:rPr>
+              <a:t>            "value": "Erik"</a:t>
+            </a:r>
+          </a:p>
+          <a:p>
+            <a:pPr marL="384048" lvl="1" indent="0">
+              <a:buNone/>
+            </a:pPr>
+            <a:r>
+              <a:rPr lang="en-US" dirty="0">
+                <a:effectLst/>
+              </a:rPr>
+              <a:t>        },</a:t>
+            </a:r>
+          </a:p>
+          <a:p>
+            <a:pPr marL="384048" lvl="1" indent="0">
+              <a:buNone/>
+            </a:pPr>
+            <a:r>
+              <a:rPr lang="en-US" dirty="0">
+                <a:effectLst/>
+              </a:rPr>
+              <a:t>        .....</a:t>
+            </a:r>
+          </a:p>
+          <a:p>
+            <a:pPr marL="384048" lvl="1" indent="0">
+              <a:buNone/>
+            </a:pPr>
+            <a:r>
+              <a:rPr lang="en-US" dirty="0">
+                <a:effectLst/>
+              </a:rPr>
+              <a:t>        {</a:t>
+            </a:r>
+          </a:p>
+          <a:p>
+            <a:pPr marL="384048" lvl="1" indent="0">
+              <a:buNone/>
+            </a:pPr>
+            <a:r>
+              <a:rPr lang="en-US" dirty="0">
+                <a:effectLst/>
+              </a:rPr>
+              <a:t>            "name": "active",</a:t>
+            </a:r>
+          </a:p>
+          <a:p>
+            <a:pPr marL="384048" lvl="1" indent="0">
+              <a:buNone/>
+            </a:pPr>
+            <a:r>
+              <a:rPr lang="en-US" dirty="0">
+                <a:effectLst/>
+              </a:rPr>
+              <a:t>            "description": "Is user active",</a:t>
+            </a:r>
+          </a:p>
+          <a:p>
+            <a:pPr marL="384048" lvl="1" indent="0">
+              <a:buNone/>
+            </a:pPr>
+            <a:r>
+              <a:rPr lang="en-US" dirty="0">
+                <a:effectLst/>
+              </a:rPr>
+              <a:t>            "label": "Active",</a:t>
+            </a:r>
+          </a:p>
+          <a:p>
+            <a:pPr marL="384048" lvl="1" indent="0">
+              <a:buNone/>
+            </a:pPr>
+            <a:r>
+              <a:rPr lang="en-US" dirty="0">
+                <a:effectLst/>
+              </a:rPr>
+              <a:t>            "type": "</a:t>
+            </a:r>
+            <a:r>
+              <a:rPr lang="en-US" dirty="0" err="1">
+                <a:effectLst/>
+              </a:rPr>
+              <a:t>boolean</a:t>
+            </a:r>
+            <a:r>
+              <a:rPr lang="en-US" dirty="0">
+                <a:effectLst/>
+              </a:rPr>
+              <a:t>",</a:t>
+            </a:r>
+          </a:p>
+          <a:p>
+            <a:pPr marL="384048" lvl="1" indent="0">
+              <a:buNone/>
+            </a:pPr>
+            <a:r>
+              <a:rPr lang="en-US" dirty="0">
+                <a:effectLst/>
+              </a:rPr>
+              <a:t>            "</a:t>
+            </a:r>
+            <a:r>
+              <a:rPr lang="en-US" dirty="0" err="1">
+                <a:effectLst/>
+              </a:rPr>
+              <a:t>defaultValue</a:t>
+            </a:r>
+            <a:r>
+              <a:rPr lang="en-US" dirty="0">
+                <a:effectLst/>
+              </a:rPr>
+              <a:t>": 1,</a:t>
+            </a:r>
+          </a:p>
+          <a:p>
+            <a:pPr marL="384048" lvl="1" indent="0">
+              <a:buNone/>
+            </a:pPr>
+            <a:r>
+              <a:rPr lang="en-US" dirty="0">
+                <a:effectLst/>
+              </a:rPr>
+              <a:t>            "value": "1"</a:t>
+            </a:r>
+          </a:p>
+          <a:p>
+            <a:pPr marL="384048" lvl="1" indent="0">
+              <a:buNone/>
+            </a:pPr>
+            <a:r>
+              <a:rPr lang="en-US" dirty="0">
+                <a:effectLst/>
+              </a:rPr>
+              <a:t>        }</a:t>
+            </a:r>
+          </a:p>
+          <a:p>
+            <a:pPr marL="384048" lvl="1" indent="0">
+              <a:buNone/>
+            </a:pPr>
+            <a:r>
+              <a:rPr lang="en-US" dirty="0">
+                <a:effectLst/>
+              </a:rPr>
+              <a:t>   ],</a:t>
+            </a:r>
+          </a:p>
+          <a:p>
+            <a:pPr marL="384048" lvl="1" indent="0">
+              <a:buNone/>
+            </a:pPr>
+            <a:r>
+              <a:rPr lang="en-US" dirty="0">
+                <a:effectLst/>
+              </a:rPr>
+              <a:t>   "links": [</a:t>
+            </a:r>
+          </a:p>
+          <a:p>
+            <a:pPr marL="384048" lvl="1" indent="0">
+              <a:buNone/>
+            </a:pPr>
+            <a:r>
+              <a:rPr lang="en-US" dirty="0">
+                <a:effectLst/>
+              </a:rPr>
+              <a:t>        {</a:t>
+            </a:r>
+          </a:p>
+          <a:p>
+            <a:pPr marL="384048" lvl="1" indent="0">
+              <a:buNone/>
+            </a:pPr>
+            <a:r>
+              <a:rPr lang="en-US" dirty="0">
+                <a:effectLst/>
+              </a:rPr>
+              <a:t>           "</a:t>
+            </a:r>
+            <a:r>
+              <a:rPr lang="en-US" dirty="0" err="1">
+                <a:effectLst/>
+              </a:rPr>
+              <a:t>rel</a:t>
+            </a:r>
+            <a:r>
+              <a:rPr lang="en-US" dirty="0">
+                <a:effectLst/>
+              </a:rPr>
+              <a:t>": "boards",</a:t>
+            </a:r>
+          </a:p>
+          <a:p>
+            <a:pPr marL="384048" lvl="1" indent="0">
+              <a:buNone/>
+            </a:pPr>
+            <a:r>
+              <a:rPr lang="en-US" dirty="0">
+                <a:effectLst/>
+              </a:rPr>
+              <a:t>           "link": "/users/12345/boards"</a:t>
+            </a:r>
+          </a:p>
+          <a:p>
+            <a:pPr marL="384048" lvl="1" indent="0">
+              <a:buNone/>
+            </a:pPr>
+            <a:r>
+              <a:rPr lang="en-US" dirty="0">
+                <a:effectLst/>
+              </a:rPr>
+              <a:t>        }</a:t>
+            </a:r>
+          </a:p>
+          <a:p>
+            <a:pPr marL="384048" lvl="1" indent="0">
+              <a:buNone/>
+            </a:pPr>
+            <a:r>
+              <a:rPr lang="en-US" dirty="0">
+                <a:effectLst/>
+              </a:rPr>
+              <a:t>    ]</a:t>
+            </a:r>
+          </a:p>
+          <a:p>
+            <a:pPr marL="384048" lvl="1" indent="0">
+              <a:buNone/>
+            </a:pPr>
+            <a:r>
+              <a:rPr lang="en-US" dirty="0">
+                <a:effectLst/>
+              </a:rPr>
+              <a:t>]</a:t>
+            </a:r>
+          </a:p>
+          <a:p>
+            <a:pPr marL="384048" lvl="1" indent="0">
+              <a:buNone/>
+            </a:pPr>
+            <a:endParaRPr lang="en-US" dirty="0">
+              <a:effectLst/>
+            </a:endParaRPr>
+          </a:p>
+        </p:txBody>
+      </p:sp>
+    </p:spTree>
+    <p:extLst>
+      <p:ext uri="{BB962C8B-B14F-4D97-AF65-F5344CB8AC3E}">
+        <p14:creationId xmlns:p14="http://schemas.microsoft.com/office/powerpoint/2010/main" val="3382358487"/>
+      </p:ext>
+    </p:extLst>
+  </p:cSld>
+  <p:clrMapOvr>
+    <a:masterClrMapping/>
+  </p:clrMapOvr>
+</p:sld>
+</file>
+
+<file path=ppt/slides/slide7.xml><?xml version="1.0" encoding="utf-8"?>
+<p:sld xmlns:a="http://schemas.openxmlformats.org/drawingml/2006/main" xmlns:r="http://schemas.openxmlformats.org/officeDocument/2006/relationships" xmlns:p="http://schemas.openxmlformats.org/presentationml/2006/main">
+  <p:cSld>
+    <p:spTree>
+      <p:nvGrpSpPr>
+        <p:cNvPr id="1" name=""/>
+        <p:cNvGrpSpPr/>
+        <p:nvPr/>
+      </p:nvGrpSpPr>
+      <p:grpSpPr>
+        <a:xfrm>
+          <a:off x="0" y="0"/>
+          <a:ext cx="0" cy="0"/>
+          <a:chOff x="0" y="0"/>
+          <a:chExt cx="0" cy="0"/>
+        </a:xfrm>
+      </p:grpSpPr>
+      <p:sp>
+        <p:nvSpPr>
+          <p:cNvPr id="2" name="Content Placeholder 1"/>
+          <p:cNvSpPr>
+            <a:spLocks noGrp="1"/>
+          </p:cNvSpPr>
+          <p:nvPr>
+            <p:ph idx="1"/>
+          </p:nvPr>
+        </p:nvSpPr>
+        <p:spPr>
+          <a:xfrm>
+            <a:off x="1417320" y="685801"/>
+            <a:ext cx="7349490" cy="3657599"/>
+          </a:xfrm>
+        </p:spPr>
+        <p:txBody>
+          <a:bodyPr/>
+          <a:lstStyle/>
+          <a:p>
+            <a:pPr lvl="1"/>
+            <a:r>
+              <a:rPr lang="en-US" dirty="0">
+                <a:effectLst/>
+              </a:rPr>
+              <a:t>Document resource</a:t>
+            </a:r>
+          </a:p>
+          <a:p>
+            <a:pPr lvl="2"/>
+            <a:r>
+              <a:rPr lang="en-US" dirty="0">
+                <a:effectLst/>
+              </a:rPr>
+              <a:t>Singular concept</a:t>
+            </a:r>
+          </a:p>
+          <a:p>
+            <a:pPr lvl="3"/>
+            <a:r>
+              <a:rPr lang="en-US" dirty="0">
+                <a:effectLst/>
+              </a:rPr>
+              <a:t>/users/12345</a:t>
+            </a:r>
+          </a:p>
+          <a:p>
+            <a:pPr lvl="3"/>
+            <a:r>
+              <a:rPr lang="en-US" dirty="0">
+                <a:effectLst/>
+              </a:rPr>
+              <a:t>/users/12345/boards/5</a:t>
+            </a:r>
+          </a:p>
+          <a:p>
+            <a:pPr lvl="3"/>
+            <a:r>
+              <a:rPr lang="en-US" dirty="0">
+                <a:effectLst/>
+              </a:rPr>
+              <a:t>/boards/5</a:t>
+            </a:r>
+          </a:p>
+          <a:p>
+            <a:pPr lvl="3"/>
+            <a:endParaRPr lang="en-US" dirty="0">
+              <a:effectLst/>
+            </a:endParaRPr>
+          </a:p>
+          <a:p>
+            <a:pPr lvl="1"/>
+            <a:r>
+              <a:rPr lang="en-US" dirty="0">
+                <a:effectLst/>
+              </a:rPr>
+              <a:t>Collection resource</a:t>
+            </a:r>
+          </a:p>
+          <a:p>
+            <a:pPr lvl="2"/>
+            <a:r>
+              <a:rPr lang="en-US" dirty="0">
+                <a:effectLst/>
+              </a:rPr>
+              <a:t>Group of items</a:t>
+            </a:r>
+          </a:p>
+          <a:p>
+            <a:pPr lvl="3"/>
+            <a:r>
+              <a:rPr lang="en-US" dirty="0">
+                <a:effectLst/>
+              </a:rPr>
+              <a:t>/users</a:t>
+            </a:r>
+          </a:p>
+          <a:p>
+            <a:pPr lvl="3"/>
+            <a:r>
+              <a:rPr lang="en-US" dirty="0">
+                <a:effectLst/>
+              </a:rPr>
+              <a:t>/users/12345/boards</a:t>
+            </a:r>
+          </a:p>
+          <a:p>
+            <a:pPr marL="384048" lvl="1" indent="0">
+              <a:buNone/>
+            </a:pPr>
+            <a:endParaRPr lang="en-US" dirty="0">
+              <a:effectLst/>
+            </a:endParaRPr>
+          </a:p>
+        </p:txBody>
+      </p:sp>
+      <p:sp>
+        <p:nvSpPr>
+          <p:cNvPr id="3" name="Title 2"/>
+          <p:cNvSpPr>
+            <a:spLocks noGrp="1"/>
+          </p:cNvSpPr>
+          <p:nvPr>
+            <p:ph type="title"/>
+          </p:nvPr>
+        </p:nvSpPr>
+        <p:spPr/>
+        <p:txBody>
+          <a:bodyPr/>
+          <a:lstStyle/>
+          <a:p>
+            <a:r>
+              <a:rPr lang="en-US" dirty="0"/>
+              <a:t>What about these URIs?</a:t>
+            </a:r>
+          </a:p>
+        </p:txBody>
+      </p:sp>
+    </p:spTree>
+    <p:extLst>
+      <p:ext uri="{BB962C8B-B14F-4D97-AF65-F5344CB8AC3E}">
+        <p14:creationId xmlns:p14="http://schemas.microsoft.com/office/powerpoint/2010/main" val="733545888"/>
+      </p:ext>
+    </p:extLst>
+  </p:cSld>
+  <p:clrMapOvr>
+    <a:masterClrMapping/>
+  </p:clrMapOvr>
+</p:sld>
+</file>
+
+<file path=ppt/slides/slide8.xml><?xml version="1.0" encoding="utf-8"?>
+<p:sld xmlns:a="http://schemas.openxmlformats.org/drawingml/2006/main" xmlns:r="http://schemas.openxmlformats.org/officeDocument/2006/relationships" xmlns:p="http://schemas.openxmlformats.org/presentationml/2006/main">
+  <p:cSld>
+    <p:spTree>
+      <p:nvGrpSpPr>
+        <p:cNvPr id="1" name=""/>
+        <p:cNvGrpSpPr/>
+        <p:nvPr/>
+      </p:nvGrpSpPr>
+      <p:grpSpPr>
+        <a:xfrm>
+          <a:off x="0" y="0"/>
+          <a:ext cx="0" cy="0"/>
+          <a:chOff x="0" y="0"/>
+          <a:chExt cx="0" cy="0"/>
+        </a:xfrm>
+      </p:grpSpPr>
+      <p:sp>
+        <p:nvSpPr>
+          <p:cNvPr id="2" name="Content Placeholder 1"/>
+          <p:cNvSpPr>
+            <a:spLocks noGrp="1"/>
+          </p:cNvSpPr>
+          <p:nvPr>
+            <p:ph idx="1"/>
+          </p:nvPr>
+        </p:nvSpPr>
+        <p:spPr>
+          <a:xfrm>
+            <a:off x="1371600" y="480060"/>
+            <a:ext cx="7349490" cy="4785360"/>
+          </a:xfrm>
+        </p:spPr>
+        <p:txBody>
+          <a:bodyPr>
+            <a:normAutofit lnSpcReduction="10000"/>
+          </a:bodyPr>
+          <a:lstStyle/>
+          <a:p>
+            <a:pPr lvl="1"/>
+            <a:r>
+              <a:rPr lang="en-US" dirty="0">
+                <a:effectLst/>
+              </a:rPr>
+              <a:t>Use NOUNs not verbs*</a:t>
+            </a:r>
+          </a:p>
+          <a:p>
+            <a:pPr lvl="2"/>
+            <a:r>
+              <a:rPr lang="en-US" dirty="0">
+                <a:effectLst/>
+              </a:rPr>
+              <a:t>Yes: DELETE /user/1235</a:t>
+            </a:r>
+          </a:p>
+          <a:p>
+            <a:pPr lvl="2"/>
+            <a:r>
+              <a:rPr lang="en-US" dirty="0">
+                <a:effectLst/>
+              </a:rPr>
+              <a:t>No: GET /</a:t>
+            </a:r>
+            <a:r>
+              <a:rPr lang="en-US" dirty="0" err="1">
+                <a:effectLst/>
+              </a:rPr>
+              <a:t>delete_user</a:t>
+            </a:r>
+            <a:r>
+              <a:rPr lang="en-US" dirty="0">
+                <a:effectLst/>
+              </a:rPr>
+              <a:t>/1235</a:t>
+            </a:r>
+          </a:p>
+          <a:p>
+            <a:pPr lvl="2"/>
+            <a:endParaRPr lang="en-US" dirty="0">
+              <a:effectLst/>
+            </a:endParaRPr>
+          </a:p>
+          <a:p>
+            <a:pPr lvl="1"/>
+            <a:r>
+              <a:rPr lang="en-US" dirty="0">
+                <a:effectLst/>
+              </a:rPr>
+              <a:t>GET</a:t>
+            </a:r>
+          </a:p>
+          <a:p>
+            <a:pPr lvl="2"/>
+            <a:r>
+              <a:rPr lang="en-US" dirty="0">
+                <a:effectLst/>
+              </a:rPr>
+              <a:t>must not have side effects</a:t>
+            </a:r>
+          </a:p>
+          <a:p>
+            <a:pPr lvl="1"/>
+            <a:r>
+              <a:rPr lang="en-US" dirty="0">
+                <a:effectLst/>
+              </a:rPr>
+              <a:t>POST</a:t>
+            </a:r>
+          </a:p>
+          <a:p>
+            <a:pPr lvl="2"/>
+            <a:r>
+              <a:rPr lang="en-US" dirty="0">
+                <a:effectLst/>
+              </a:rPr>
+              <a:t>Add data to a collection</a:t>
+            </a:r>
+          </a:p>
+          <a:p>
+            <a:pPr lvl="1"/>
+            <a:r>
+              <a:rPr lang="en-US" dirty="0">
+                <a:effectLst/>
+              </a:rPr>
+              <a:t>PUT</a:t>
+            </a:r>
+          </a:p>
+          <a:p>
+            <a:pPr lvl="2"/>
+            <a:r>
+              <a:rPr lang="en-US" dirty="0">
+                <a:effectLst/>
+              </a:rPr>
+              <a:t>Update a resource</a:t>
+            </a:r>
+          </a:p>
+          <a:p>
+            <a:pPr lvl="1"/>
+            <a:r>
+              <a:rPr lang="en-US" dirty="0">
+                <a:effectLst/>
+              </a:rPr>
+              <a:t>DELETE</a:t>
+            </a:r>
+          </a:p>
+          <a:p>
+            <a:pPr lvl="1"/>
+            <a:r>
+              <a:rPr lang="en-US" dirty="0">
+                <a:effectLst/>
+              </a:rPr>
+              <a:t>HEAD</a:t>
+            </a:r>
+          </a:p>
+          <a:p>
+            <a:pPr lvl="2"/>
+            <a:r>
+              <a:rPr lang="en-US" dirty="0">
+                <a:effectLst/>
+              </a:rPr>
+              <a:t>Return only the HTTP Header information</a:t>
+            </a:r>
+          </a:p>
+          <a:p>
+            <a:pPr lvl="1"/>
+            <a:r>
+              <a:rPr lang="en-US" dirty="0">
+                <a:effectLst/>
+              </a:rPr>
+              <a:t>OPTIONS</a:t>
+            </a:r>
+          </a:p>
+          <a:p>
+            <a:pPr lvl="2"/>
+            <a:r>
+              <a:rPr lang="en-US" dirty="0">
+                <a:effectLst/>
+              </a:rPr>
+              <a:t>Return what can be done to a target resource</a:t>
+            </a:r>
+          </a:p>
+          <a:p>
+            <a:pPr marL="384048" lvl="1" indent="0">
+              <a:buNone/>
+            </a:pPr>
+            <a:endParaRPr lang="en-US" dirty="0">
+              <a:effectLst/>
+            </a:endParaRPr>
+          </a:p>
+        </p:txBody>
+      </p:sp>
+      <p:sp>
+        <p:nvSpPr>
+          <p:cNvPr id="3" name="Title 2"/>
+          <p:cNvSpPr>
+            <a:spLocks noGrp="1"/>
+          </p:cNvSpPr>
+          <p:nvPr>
+            <p:ph type="title"/>
+          </p:nvPr>
+        </p:nvSpPr>
+        <p:spPr/>
+        <p:txBody>
+          <a:bodyPr/>
+          <a:lstStyle/>
+          <a:p>
+            <a:r>
+              <a:rPr lang="en-US" dirty="0"/>
+              <a:t>Rules!!!</a:t>
+            </a:r>
+          </a:p>
+        </p:txBody>
+      </p:sp>
+    </p:spTree>
+    <p:extLst>
+      <p:ext uri="{BB962C8B-B14F-4D97-AF65-F5344CB8AC3E}">
+        <p14:creationId xmlns:p14="http://schemas.microsoft.com/office/powerpoint/2010/main" val="711447222"/>
+      </p:ext>
+    </p:extLst>
+  </p:cSld>
+  <p:clrMapOvr>
+    <a:masterClrMapping/>
+  </p:clrMapOvr>
+</p:sld>
+</file>
+
+<file path=ppt/slides/slide9.xml><?xml version="1.0" encoding="utf-8"?>
+<p:sld xmlns:a="http://schemas.openxmlformats.org/drawingml/2006/main" xmlns:r="http://schemas.openxmlformats.org/officeDocument/2006/relationships" xmlns:p="http://schemas.openxmlformats.org/presentationml/2006/main">
+  <p:cSld>
+    <p:spTree>
+      <p:nvGrpSpPr>
+        <p:cNvPr id="1" name=""/>
+        <p:cNvGrpSpPr/>
+        <p:nvPr/>
+      </p:nvGrpSpPr>
+      <p:grpSpPr>
+        <a:xfrm>
+          <a:off x="0" y="0"/>
+          <a:ext cx="0" cy="0"/>
+          <a:chOff x="0" y="0"/>
+          <a:chExt cx="0" cy="0"/>
+        </a:xfrm>
+      </p:grpSpPr>
+      <p:sp>
+        <p:nvSpPr>
+          <p:cNvPr id="2" name="Content Placeholder 1"/>
+          <p:cNvSpPr>
+            <a:spLocks noGrp="1"/>
+          </p:cNvSpPr>
+          <p:nvPr>
+            <p:ph idx="1"/>
+          </p:nvPr>
+        </p:nvSpPr>
+        <p:spPr>
+          <a:xfrm>
+            <a:off x="1417320" y="685801"/>
+            <a:ext cx="7349490" cy="4190999"/>
+          </a:xfrm>
+        </p:spPr>
+        <p:txBody>
+          <a:bodyPr/>
+          <a:lstStyle/>
+          <a:p>
+            <a:pPr lvl="1"/>
+            <a:r>
+              <a:rPr lang="en-US" dirty="0">
+                <a:effectLst/>
+              </a:rPr>
+              <a:t>Only update what you need – Right?</a:t>
+            </a:r>
+          </a:p>
+          <a:p>
+            <a:pPr lvl="1"/>
+            <a:endParaRPr lang="en-US" dirty="0">
+              <a:effectLst/>
+            </a:endParaRPr>
+          </a:p>
+          <a:p>
+            <a:pPr lvl="1"/>
+            <a:r>
+              <a:rPr lang="en-US" dirty="0">
+                <a:effectLst/>
+              </a:rPr>
+              <a:t>Please do not patch like an idiot: “Now, please, either don’t use the PATCH method, or use it the right way!”</a:t>
+            </a:r>
+          </a:p>
+          <a:p>
+            <a:pPr lvl="1"/>
+            <a:endParaRPr lang="en-US" dirty="0">
+              <a:effectLst/>
+            </a:endParaRPr>
+          </a:p>
+          <a:p>
+            <a:pPr lvl="1"/>
+            <a:r>
+              <a:rPr lang="en-US" dirty="0">
+                <a:effectLst/>
+              </a:rPr>
+              <a:t>RFC 5789: </a:t>
+            </a:r>
+            <a:r>
+              <a:rPr lang="en-US" dirty="0"/>
+              <a:t>requests that a set of changes described in the request entity be applied to the resource identified by the Request- URI</a:t>
+            </a:r>
+            <a:endParaRPr lang="en-US" dirty="0">
+              <a:effectLst/>
+            </a:endParaRPr>
+          </a:p>
+        </p:txBody>
+      </p:sp>
+      <p:sp>
+        <p:nvSpPr>
+          <p:cNvPr id="3" name="Title 2"/>
+          <p:cNvSpPr>
+            <a:spLocks noGrp="1"/>
+          </p:cNvSpPr>
+          <p:nvPr>
+            <p:ph type="title"/>
+          </p:nvPr>
+        </p:nvSpPr>
+        <p:spPr/>
+        <p:txBody>
+          <a:bodyPr/>
+          <a:lstStyle/>
+          <a:p>
+            <a:r>
+              <a:rPr lang="en-US" dirty="0"/>
+              <a:t>What about PATCH!?!</a:t>
+            </a:r>
+          </a:p>
+        </p:txBody>
+      </p:sp>
+    </p:spTree>
+    <p:extLst>
+      <p:ext uri="{BB962C8B-B14F-4D97-AF65-F5344CB8AC3E}">
+        <p14:creationId xmlns:p14="http://schemas.microsoft.com/office/powerpoint/2010/main" val="4261702483"/>
       </p:ext>
     </p:extLst>
   </p:cSld>
